--- a/unit_01/slides/Unit01-PartIV.pptx
+++ b/unit_01/slides/Unit01-PartIV.pptx
@@ -226,7 +226,7 @@
           <a:p>
             <a:fld id="{DEF45A3F-F083-4E1A-8339-FCD652B27D36}" type="datetimeFigureOut">
               <a:rPr lang="en-US" smtClean="0"/>
-              <a:t>7/8/2020</a:t>
+              <a:t>9/2/2020</a:t>
             </a:fld>
             <a:endParaRPr lang="en-US" dirty="0"/>
           </a:p>
@@ -290,38 +290,37 @@
           <a:p>
             <a:pPr lvl="0"/>
             <a:r>
-              <a:rPr lang="en-US" smtClean="0"/>
+              <a:rPr lang="en-US"/>
               <a:t>Click to edit Master text styles</a:t>
             </a:r>
           </a:p>
           <a:p>
             <a:pPr lvl="1"/>
             <a:r>
-              <a:rPr lang="en-US" smtClean="0"/>
+              <a:rPr lang="en-US"/>
               <a:t>Second level</a:t>
             </a:r>
           </a:p>
           <a:p>
             <a:pPr lvl="2"/>
             <a:r>
-              <a:rPr lang="en-US" smtClean="0"/>
+              <a:rPr lang="en-US"/>
               <a:t>Third level</a:t>
             </a:r>
           </a:p>
           <a:p>
             <a:pPr lvl="3"/>
             <a:r>
-              <a:rPr lang="en-US" smtClean="0"/>
+              <a:rPr lang="en-US"/>
               <a:t>Fourth level</a:t>
             </a:r>
           </a:p>
           <a:p>
             <a:pPr lvl="4"/>
             <a:r>
-              <a:rPr lang="en-US" smtClean="0"/>
+              <a:rPr lang="en-US"/>
               <a:t>Fifth level</a:t>
             </a:r>
-            <a:endParaRPr lang="en-US"/>
           </a:p>
         </p:txBody>
       </p:sp>
@@ -516,7 +515,7 @@
           <p:cNvPr id="5" name="Rectangle 4">
             <a:extLst>
               <a:ext uri="{FF2B5EF4-FFF2-40B4-BE49-F238E27FC236}">
-                <a16:creationId xmlns="" xmlns:a16="http://schemas.microsoft.com/office/drawing/2014/main" id="{904DB13E-F722-4ED6-BB00-556651E95281}"/>
+                <a16:creationId xmlns:a16="http://schemas.microsoft.com/office/drawing/2014/main" id="{904DB13E-F722-4ED6-BB00-556651E95281}"/>
               </a:ext>
             </a:extLst>
           </p:cNvPr>
@@ -665,7 +664,7 @@
           <p:cNvPr id="7" name="Group 6">
             <a:extLst>
               <a:ext uri="{FF2B5EF4-FFF2-40B4-BE49-F238E27FC236}">
-                <a16:creationId xmlns="" xmlns:a16="http://schemas.microsoft.com/office/drawing/2014/main" id="{E26428D7-C6F3-473D-A360-A3F5C3E8728C}"/>
+                <a16:creationId xmlns:a16="http://schemas.microsoft.com/office/drawing/2014/main" id="{E26428D7-C6F3-473D-A360-A3F5C3E8728C}"/>
               </a:ext>
             </a:extLst>
           </p:cNvPr>
@@ -963,7 +962,7 @@
           <a:p>
             <a:fld id="{EB2553B6-A683-4C13-ADF3-6E78B5B860F6}" type="datetime1">
               <a:rPr lang="en-US" smtClean="0"/>
-              <a:t>7/8/2020</a:t>
+              <a:t>9/2/2020</a:t>
             </a:fld>
             <a:endParaRPr lang="en-US" dirty="0"/>
           </a:p>
@@ -1165,7 +1164,7 @@
           <a:p>
             <a:fld id="{6DA00B11-1D47-4652-AEE5-4C2B1235CB66}" type="datetime1">
               <a:rPr lang="en-US" smtClean="0"/>
-              <a:t>7/8/2020</a:t>
+              <a:t>9/2/2020</a:t>
             </a:fld>
             <a:endParaRPr lang="en-US" dirty="0"/>
           </a:p>
@@ -1248,7 +1247,7 @@
           <p:cNvPr id="15" name="Rectangle 14">
             <a:extLst>
               <a:ext uri="{FF2B5EF4-FFF2-40B4-BE49-F238E27FC236}">
-                <a16:creationId xmlns="" xmlns:a16="http://schemas.microsoft.com/office/drawing/2014/main" id="{0A4A1889-E37C-4EC3-9E41-9DAD221CF389}"/>
+                <a16:creationId xmlns:a16="http://schemas.microsoft.com/office/drawing/2014/main" id="{0A4A1889-E37C-4EC3-9E41-9DAD221CF389}"/>
               </a:ext>
             </a:extLst>
           </p:cNvPr>
@@ -1445,7 +1444,7 @@
           <p:cNvPr id="16" name="Group 15">
             <a:extLst>
               <a:ext uri="{FF2B5EF4-FFF2-40B4-BE49-F238E27FC236}">
-                <a16:creationId xmlns="" xmlns:a16="http://schemas.microsoft.com/office/drawing/2014/main" id="{1683EB04-C23E-490C-A1A6-030CF79D23C8}"/>
+                <a16:creationId xmlns:a16="http://schemas.microsoft.com/office/drawing/2014/main" id="{1683EB04-C23E-490C-A1A6-030CF79D23C8}"/>
               </a:ext>
             </a:extLst>
           </p:cNvPr>
@@ -1465,7 +1464,7 @@
             <p:cNvPr id="17" name="Straight Connector 16">
               <a:extLst>
                 <a:ext uri="{FF2B5EF4-FFF2-40B4-BE49-F238E27FC236}">
-                  <a16:creationId xmlns="" xmlns:a16="http://schemas.microsoft.com/office/drawing/2014/main" id="{F8A84C03-E1CA-4A4E-81D6-9BB0C335B7A0}"/>
+                  <a16:creationId xmlns:a16="http://schemas.microsoft.com/office/drawing/2014/main" id="{F8A84C03-E1CA-4A4E-81D6-9BB0C335B7A0}"/>
                 </a:ext>
               </a:extLst>
             </p:cNvPr>
@@ -1513,7 +1512,7 @@
             <p:cNvPr id="18" name="Straight Connector 17">
               <a:extLst>
                 <a:ext uri="{FF2B5EF4-FFF2-40B4-BE49-F238E27FC236}">
-                  <a16:creationId xmlns="" xmlns:a16="http://schemas.microsoft.com/office/drawing/2014/main" id="{4A26FB5A-D5D1-4DAB-AC43-7F51A7F2D197}"/>
+                  <a16:creationId xmlns:a16="http://schemas.microsoft.com/office/drawing/2014/main" id="{4A26FB5A-D5D1-4DAB-AC43-7F51A7F2D197}"/>
                 </a:ext>
               </a:extLst>
             </p:cNvPr>
@@ -1561,7 +1560,7 @@
             <p:cNvPr id="19" name="Straight Connector 18">
               <a:extLst>
                 <a:ext uri="{FF2B5EF4-FFF2-40B4-BE49-F238E27FC236}">
-                  <a16:creationId xmlns="" xmlns:a16="http://schemas.microsoft.com/office/drawing/2014/main" id="{49303F14-E560-4C02-94F4-B4695FE26813}"/>
+                  <a16:creationId xmlns:a16="http://schemas.microsoft.com/office/drawing/2014/main" id="{49303F14-E560-4C02-94F4-B4695FE26813}"/>
                 </a:ext>
               </a:extLst>
             </p:cNvPr>
@@ -1764,7 +1763,7 @@
           <a:p>
             <a:fld id="{90AC2323-8C5A-462B-92B9-62EA14FA9E94}" type="datetime1">
               <a:rPr lang="en-US" smtClean="0"/>
-              <a:t>7/8/2020</a:t>
+              <a:t>9/2/2020</a:t>
             </a:fld>
             <a:endParaRPr lang="en-US" dirty="0"/>
           </a:p>
@@ -2084,7 +2083,7 @@
           <a:p>
             <a:fld id="{10DC40C2-59E9-46C8-B03E-7C20E5F4F12D}" type="datetime1">
               <a:rPr lang="en-US" smtClean="0"/>
-              <a:t>7/8/2020</a:t>
+              <a:t>9/2/2020</a:t>
             </a:fld>
             <a:endParaRPr lang="en-US" dirty="0"/>
           </a:p>
@@ -2521,7 +2520,7 @@
           <a:p>
             <a:fld id="{7FBC8CB6-941B-4270-8276-FD8E92A373DA}" type="datetime1">
               <a:rPr lang="en-US" smtClean="0"/>
-              <a:t>7/8/2020</a:t>
+              <a:t>9/2/2020</a:t>
             </a:fld>
             <a:endParaRPr lang="en-US" dirty="0"/>
           </a:p>
@@ -2639,7 +2638,7 @@
           <a:p>
             <a:fld id="{15E57E43-E251-46CB-9ADD-5572689A0D73}" type="datetime1">
               <a:rPr lang="en-US" smtClean="0"/>
-              <a:t>7/8/2020</a:t>
+              <a:t>9/2/2020</a:t>
             </a:fld>
             <a:endParaRPr lang="en-US" dirty="0"/>
           </a:p>
@@ -2734,7 +2733,7 @@
           <a:p>
             <a:fld id="{9582FC12-F480-42AE-9F3F-3DA69EB64A0D}" type="datetime1">
               <a:rPr lang="en-US" smtClean="0"/>
-              <a:t>7/8/2020</a:t>
+              <a:t>9/2/2020</a:t>
             </a:fld>
             <a:endParaRPr lang="en-US" dirty="0"/>
           </a:p>
@@ -2817,7 +2816,7 @@
           <p:cNvPr id="10" name="Rectangle 9">
             <a:extLst>
               <a:ext uri="{FF2B5EF4-FFF2-40B4-BE49-F238E27FC236}">
-                <a16:creationId xmlns="" xmlns:a16="http://schemas.microsoft.com/office/drawing/2014/main" id="{D5E1BBF9-8BEF-4353-BA68-30AAF9EBD8D8}"/>
+                <a16:creationId xmlns:a16="http://schemas.microsoft.com/office/drawing/2014/main" id="{D5E1BBF9-8BEF-4353-BA68-30AAF9EBD8D8}"/>
               </a:ext>
             </a:extLst>
           </p:cNvPr>
@@ -2864,7 +2863,7 @@
           <p:cNvPr id="13" name="Rectangle 12">
             <a:extLst>
               <a:ext uri="{FF2B5EF4-FFF2-40B4-BE49-F238E27FC236}">
-                <a16:creationId xmlns="" xmlns:a16="http://schemas.microsoft.com/office/drawing/2014/main" id="{5B941C21-2A5D-4912-AB06-1BB0C0EB6AE1}"/>
+                <a16:creationId xmlns:a16="http://schemas.microsoft.com/office/drawing/2014/main" id="{5B941C21-2A5D-4912-AB06-1BB0C0EB6AE1}"/>
               </a:ext>
             </a:extLst>
           </p:cNvPr>
@@ -3151,7 +3150,7 @@
           <a:p>
             <a:fld id="{545CEF3F-6F6A-4297-B757-FFB5D4A3AD64}" type="datetime1">
               <a:rPr lang="en-US" smtClean="0"/>
-              <a:t>7/8/2020</a:t>
+              <a:t>9/2/2020</a:t>
             </a:fld>
             <a:endParaRPr lang="en-US" dirty="0"/>
           </a:p>
@@ -3259,7 +3258,7 @@
           <p:cNvPr id="11" name="Rectangle 10">
             <a:extLst>
               <a:ext uri="{FF2B5EF4-FFF2-40B4-BE49-F238E27FC236}">
-                <a16:creationId xmlns="" xmlns:a16="http://schemas.microsoft.com/office/drawing/2014/main" id="{E687CA98-D9C7-497F-A1DA-7D22F8753BCE}"/>
+                <a16:creationId xmlns:a16="http://schemas.microsoft.com/office/drawing/2014/main" id="{E687CA98-D9C7-497F-A1DA-7D22F8753BCE}"/>
               </a:ext>
             </a:extLst>
           </p:cNvPr>
@@ -3411,7 +3410,7 @@
           <a:p>
             <a:fld id="{EE2F6E23-5248-4ECD-8C29-1FB95B395C86}" type="datetime1">
               <a:rPr lang="en-US" smtClean="0"/>
-              <a:t>7/8/2020</a:t>
+              <a:t>9/2/2020</a:t>
             </a:fld>
             <a:endParaRPr lang="en-US" dirty="0"/>
           </a:p>
@@ -3493,7 +3492,7 @@
           <p:cNvPr id="12" name="Rectangle 11">
             <a:extLst>
               <a:ext uri="{FF2B5EF4-FFF2-40B4-BE49-F238E27FC236}">
-                <a16:creationId xmlns="" xmlns:a16="http://schemas.microsoft.com/office/drawing/2014/main" id="{F8B3D8CC-BB13-41A5-8F34-B8E84A4F9534}"/>
+                <a16:creationId xmlns:a16="http://schemas.microsoft.com/office/drawing/2014/main" id="{F8B3D8CC-BB13-41A5-8F34-B8E84A4F9534}"/>
               </a:ext>
             </a:extLst>
           </p:cNvPr>
@@ -3695,7 +3694,7 @@
           <p:cNvPr id="9" name="Rectangle 8">
             <a:extLst>
               <a:ext uri="{FF2B5EF4-FFF2-40B4-BE49-F238E27FC236}">
-                <a16:creationId xmlns="" xmlns:a16="http://schemas.microsoft.com/office/drawing/2014/main" id="{1E94681D-2A4C-4A8D-B9B5-31D440D0328D}"/>
+                <a16:creationId xmlns:a16="http://schemas.microsoft.com/office/drawing/2014/main" id="{1E94681D-2A4C-4A8D-B9B5-31D440D0328D}"/>
               </a:ext>
             </a:extLst>
           </p:cNvPr>
@@ -3927,7 +3926,7 @@
           <a:p>
             <a:fld id="{5DE9F2A3-885D-46CC-9642-01CAAE4EB600}" type="datetime1">
               <a:rPr lang="en-US" smtClean="0"/>
-              <a:t>7/8/2020</a:t>
+              <a:t>9/2/2020</a:t>
             </a:fld>
             <a:endParaRPr lang="en-US" dirty="0"/>
           </a:p>
@@ -4407,7 +4406,7 @@
           <p:cNvPr id="6" name="Picture 5" descr="abstract image">
             <a:extLst>
               <a:ext uri="{FF2B5EF4-FFF2-40B4-BE49-F238E27FC236}">
-                <a16:creationId xmlns="" xmlns:a16="http://schemas.microsoft.com/office/drawing/2014/main" id="{8045422F-7258-40AC-BD2E-2469AA448922}"/>
+                <a16:creationId xmlns:a16="http://schemas.microsoft.com/office/drawing/2014/main" id="{8045422F-7258-40AC-BD2E-2469AA448922}"/>
               </a:ext>
             </a:extLst>
           </p:cNvPr>
@@ -4442,10 +4441,10 @@
           <p:cNvPr id="82" name="Rectangle 81">
             <a:extLst>
               <a:ext uri="{FF2B5EF4-FFF2-40B4-BE49-F238E27FC236}">
-                <a16:creationId xmlns="" xmlns:a16="http://schemas.microsoft.com/office/drawing/2014/main" id="{2644B391-9BFE-445C-A9EC-F544BB85FBC7}"/>
+                <a16:creationId xmlns:a16="http://schemas.microsoft.com/office/drawing/2014/main" id="{2644B391-9BFE-445C-A9EC-F544BB85FBC7}"/>
               </a:ext>
               <a:ext uri="{C183D7F6-B498-43B3-948B-1728B52AA6E4}">
-                <adec:decorative xmlns="" xmlns:adec="http://schemas.microsoft.com/office/drawing/2017/decorative" val="1"/>
+                <adec:decorative xmlns:adec="http://schemas.microsoft.com/office/drawing/2017/decorative" val="1"/>
               </a:ext>
             </a:extLst>
           </p:cNvPr>
@@ -4455,7 +4454,7 @@
           <p:nvPr>
             <p:extLst>
               <p:ext uri="{386F3935-93C4-4BCD-93E2-E3B085C9AB24}">
-                <p16:designElem xmlns="" xmlns:p16="http://schemas.microsoft.com/office/powerpoint/2015/main" val="1"/>
+                <p16:designElem xmlns:p16="http://schemas.microsoft.com/office/powerpoint/2015/main" val="1"/>
               </p:ext>
             </p:extLst>
           </p:nvPr>
@@ -4487,10 +4486,10 @@
           <p:cNvPr id="84" name="Rectangle 83">
             <a:extLst>
               <a:ext uri="{FF2B5EF4-FFF2-40B4-BE49-F238E27FC236}">
-                <a16:creationId xmlns="" xmlns:a16="http://schemas.microsoft.com/office/drawing/2014/main" id="{80F26E69-87D9-4655-AE7B-280A87AA3CAD}"/>
+                <a16:creationId xmlns:a16="http://schemas.microsoft.com/office/drawing/2014/main" id="{80F26E69-87D9-4655-AE7B-280A87AA3CAD}"/>
               </a:ext>
               <a:ext uri="{C183D7F6-B498-43B3-948B-1728B52AA6E4}">
-                <adec:decorative xmlns="" xmlns:adec="http://schemas.microsoft.com/office/drawing/2017/decorative" val="1"/>
+                <adec:decorative xmlns:adec="http://schemas.microsoft.com/office/drawing/2017/decorative" val="1"/>
               </a:ext>
             </a:extLst>
           </p:cNvPr>
@@ -4500,7 +4499,7 @@
           <p:nvPr>
             <p:extLst>
               <p:ext uri="{386F3935-93C4-4BCD-93E2-E3B085C9AB24}">
-                <p16:designElem xmlns="" xmlns:p16="http://schemas.microsoft.com/office/powerpoint/2015/main" val="1"/>
+                <p16:designElem xmlns:p16="http://schemas.microsoft.com/office/powerpoint/2015/main" val="1"/>
               </p:ext>
             </p:extLst>
           </p:nvPr>
@@ -4531,7 +4530,7 @@
           <p:cNvPr id="2" name="Title 1">
             <a:extLst>
               <a:ext uri="{FF2B5EF4-FFF2-40B4-BE49-F238E27FC236}">
-                <a16:creationId xmlns="" xmlns:a16="http://schemas.microsoft.com/office/drawing/2014/main" id="{18C3B467-088C-4F3D-A9A7-105C4E1E20CD}"/>
+                <a16:creationId xmlns:a16="http://schemas.microsoft.com/office/drawing/2014/main" id="{18C3B467-088C-4F3D-A9A7-105C4E1E20CD}"/>
               </a:ext>
             </a:extLst>
           </p:cNvPr>
@@ -4555,30 +4554,30 @@
           <a:lstStyle/>
           <a:p>
             <a:r>
-              <a:rPr lang="en-US" sz="4400" b="1" dirty="0" smtClean="0">
+              <a:rPr lang="en-US" sz="4400">
                 <a:solidFill>
                   <a:schemeClr val="tx1"/>
                 </a:solidFill>
               </a:rPr>
-              <a:t>Unit01 Intro to node.js </a:t>
-            </a:r>
-            <a:r>
-              <a:rPr lang="en-US" sz="4400" b="1" smtClean="0">
+              <a:t>node</a:t>
+            </a:r>
+            <a:r>
+              <a:rPr lang="en-US" sz="4400" dirty="0">
                 <a:solidFill>
                   <a:schemeClr val="tx1"/>
                 </a:solidFill>
               </a:rPr>
-              <a:t>Part </a:t>
-            </a:r>
-            <a:r>
-              <a:rPr lang="en-US" sz="4400" b="1" smtClean="0">
+              <a:t>.js </a:t>
+            </a:r>
+            <a:r>
+              <a:rPr lang="en-US" sz="4400">
                 <a:solidFill>
                   <a:schemeClr val="tx1"/>
                 </a:solidFill>
               </a:rPr>
-              <a:t>IV</a:t>
-            </a:r>
-            <a:endParaRPr lang="en-US" sz="4400" b="1" dirty="0">
+              <a:t>Part IV</a:t>
+            </a:r>
+            <a:endParaRPr lang="en-US" sz="4400" dirty="0">
               <a:solidFill>
                 <a:schemeClr val="tx1"/>
               </a:solidFill>
@@ -4591,7 +4590,7 @@
           <p:cNvPr id="3" name="Subtitle 2">
             <a:extLst>
               <a:ext uri="{FF2B5EF4-FFF2-40B4-BE49-F238E27FC236}">
-                <a16:creationId xmlns="" xmlns:a16="http://schemas.microsoft.com/office/drawing/2014/main" id="{C8722DDC-8EEE-4A06-8DFE-B44871EAA2CF}"/>
+                <a16:creationId xmlns:a16="http://schemas.microsoft.com/office/drawing/2014/main" id="{C8722DDC-8EEE-4A06-8DFE-B44871EAA2CF}"/>
               </a:ext>
             </a:extLst>
           </p:cNvPr>
@@ -4640,13 +4639,6 @@
   <p:clrMapOvr>
     <a:overrideClrMapping bg1="dk1" tx1="lt1" bg2="dk2" tx2="lt2" accent1="accent1" accent2="accent2" accent3="accent3" accent4="accent4" accent5="accent5" accent6="accent6" hlink="hlink" folHlink="folHlink"/>
   </p:clrMapOvr>
-  <p:timing>
-    <p:tnLst>
-      <p:par>
-        <p:cTn id="1" dur="indefinite" restart="never" nodeType="tmRoot"/>
-      </p:par>
-    </p:tnLst>
-  </p:timing>
 </p:sld>
 </file>
 
@@ -4672,7 +4664,7 @@
           <p:cNvPr id="2" name="Title 1">
             <a:extLst>
               <a:ext uri="{FF2B5EF4-FFF2-40B4-BE49-F238E27FC236}">
-                <a16:creationId xmlns="" xmlns:a16="http://schemas.microsoft.com/office/drawing/2014/main" id="{BDFAC13C-59B1-436E-B58F-C304E1C705CF}"/>
+                <a16:creationId xmlns:a16="http://schemas.microsoft.com/office/drawing/2014/main" id="{BDFAC13C-59B1-436E-B58F-C304E1C705CF}"/>
               </a:ext>
             </a:extLst>
           </p:cNvPr>
@@ -4696,10 +4688,9 @@
           <a:lstStyle/>
           <a:p>
             <a:r>
-              <a:rPr lang="en-US" u="sng" dirty="0" smtClean="0"/>
+              <a:rPr lang="en-US" u="sng" dirty="0"/>
               <a:t>RESTful Web Server Example</a:t>
             </a:r>
-            <a:endParaRPr lang="en-US" u="sng" dirty="0"/>
           </a:p>
         </p:txBody>
       </p:sp>
@@ -4708,7 +4699,7 @@
           <p:cNvPr id="3" name="Content Placeholder 2">
             <a:extLst>
               <a:ext uri="{FF2B5EF4-FFF2-40B4-BE49-F238E27FC236}">
-                <a16:creationId xmlns="" xmlns:a16="http://schemas.microsoft.com/office/drawing/2014/main" id="{844A3DC5-46BF-4BFF-8008-98FD467C4904}"/>
+                <a16:creationId xmlns:a16="http://schemas.microsoft.com/office/drawing/2014/main" id="{844A3DC5-46BF-4BFF-8008-98FD467C4904}"/>
               </a:ext>
             </a:extLst>
           </p:cNvPr>
@@ -4733,21 +4724,8 @@
           <a:p>
             <a:r>
               <a:rPr lang="en-US" sz="1800" dirty="0"/>
-              <a:t>Based on this </a:t>
-            </a:r>
-            <a:r>
-              <a:rPr lang="en-US" sz="1800" dirty="0" smtClean="0"/>
-              <a:t>information, provide </a:t>
-            </a:r>
-            <a:r>
-              <a:rPr lang="en-US" sz="1800" dirty="0"/>
-              <a:t>following RESTful </a:t>
-            </a:r>
-            <a:r>
-              <a:rPr lang="en-US" sz="1800" dirty="0" smtClean="0"/>
-              <a:t>APIs:</a:t>
-            </a:r>
-            <a:endParaRPr lang="en-US" sz="1800" dirty="0"/>
+              <a:t>Based on this information, provide following RESTful APIs:</a:t>
+            </a:r>
           </a:p>
         </p:txBody>
       </p:sp>
@@ -4808,13 +4786,6 @@
   <p:clrMapOvr>
     <a:masterClrMapping/>
   </p:clrMapOvr>
-  <p:timing>
-    <p:tnLst>
-      <p:par>
-        <p:cTn id="1" dur="indefinite" restart="never" nodeType="tmRoot"/>
-      </p:par>
-    </p:tnLst>
-  </p:timing>
 </p:sld>
 </file>
 
@@ -4840,7 +4811,7 @@
           <p:cNvPr id="2" name="Title 1">
             <a:extLst>
               <a:ext uri="{FF2B5EF4-FFF2-40B4-BE49-F238E27FC236}">
-                <a16:creationId xmlns="" xmlns:a16="http://schemas.microsoft.com/office/drawing/2014/main" id="{BDFAC13C-59B1-436E-B58F-C304E1C705CF}"/>
+                <a16:creationId xmlns:a16="http://schemas.microsoft.com/office/drawing/2014/main" id="{BDFAC13C-59B1-436E-B58F-C304E1C705CF}"/>
               </a:ext>
             </a:extLst>
           </p:cNvPr>
@@ -4864,16 +4835,12 @@
           <a:lstStyle/>
           <a:p>
             <a:r>
-              <a:rPr lang="en-US" u="sng" dirty="0" smtClean="0"/>
+              <a:rPr lang="en-US" u="sng" dirty="0"/>
               <a:t>RESTful Web Server Example</a:t>
             </a:r>
             <a:r>
-              <a:rPr lang="en-US" sz="2000" u="sng" dirty="0" smtClean="0"/>
-              <a:t> (</a:t>
-            </a:r>
-            <a:r>
-              <a:rPr lang="en-US" sz="2000" u="sng" dirty="0" smtClean="0"/>
-              <a:t>users.json)</a:t>
+              <a:rPr lang="en-US" sz="2000" u="sng" dirty="0"/>
+              <a:t> (users.json)</a:t>
             </a:r>
             <a:endParaRPr lang="en-US" u="sng" dirty="0"/>
           </a:p>
@@ -4884,7 +4851,7 @@
           <p:cNvPr id="3" name="Content Placeholder 2">
             <a:extLst>
               <a:ext uri="{FF2B5EF4-FFF2-40B4-BE49-F238E27FC236}">
-                <a16:creationId xmlns="" xmlns:a16="http://schemas.microsoft.com/office/drawing/2014/main" id="{844A3DC5-46BF-4BFF-8008-98FD467C4904}"/>
+                <a16:creationId xmlns:a16="http://schemas.microsoft.com/office/drawing/2014/main" id="{844A3DC5-46BF-4BFF-8008-98FD467C4904}"/>
               </a:ext>
             </a:extLst>
           </p:cNvPr>
@@ -4911,10 +4878,9 @@
               <a:buNone/>
             </a:pPr>
             <a:r>
-              <a:rPr lang="en-US" sz="1800" dirty="0" smtClean="0"/>
+              <a:rPr lang="en-US" sz="1800" dirty="0"/>
               <a:t>{</a:t>
             </a:r>
-            <a:endParaRPr lang="en-US" sz="1800" dirty="0"/>
           </a:p>
           <a:p>
             <a:pPr marL="169863" indent="0">
@@ -4922,15 +4888,16 @@
             </a:pPr>
             <a:r>
               <a:rPr lang="en-US" sz="1800" dirty="0"/>
-              <a:t>  </a:t>
-            </a:r>
-            <a:r>
-              <a:rPr lang="en-US" sz="1800" dirty="0" smtClean="0"/>
-              <a:t>"</a:t>
-            </a:r>
+              <a:t>  "user1" : {</a:t>
+            </a:r>
+          </a:p>
+          <a:p>
+            <a:pPr marL="169863" indent="0">
+              <a:buNone/>
+            </a:pPr>
             <a:r>
               <a:rPr lang="en-US" sz="1800" dirty="0"/>
-              <a:t>user1" : {</a:t>
+              <a:t>    "name" : "mahesh",</a:t>
             </a:r>
           </a:p>
           <a:p>
@@ -4939,15 +4906,16 @@
             </a:pPr>
             <a:r>
               <a:rPr lang="en-US" sz="1800" dirty="0"/>
-              <a:t>    </a:t>
-            </a:r>
-            <a:r>
-              <a:rPr lang="en-US" sz="1800" dirty="0" smtClean="0"/>
-              <a:t>"</a:t>
-            </a:r>
+              <a:t>    "password" : "password1",</a:t>
+            </a:r>
+          </a:p>
+          <a:p>
+            <a:pPr marL="169863" indent="0">
+              <a:buNone/>
+            </a:pPr>
             <a:r>
               <a:rPr lang="en-US" sz="1800" dirty="0"/>
-              <a:t>name" : "mahesh",</a:t>
+              <a:t>    "profession" : "teacher",</a:t>
             </a:r>
           </a:p>
           <a:p>
@@ -4956,64 +4924,17 @@
             </a:pPr>
             <a:r>
               <a:rPr lang="en-US" sz="1800" dirty="0"/>
-              <a:t>    </a:t>
-            </a:r>
-            <a:r>
-              <a:rPr lang="en-US" sz="1800" dirty="0" smtClean="0"/>
-              <a:t>"</a:t>
-            </a:r>
+              <a:t>    "id": 1</a:t>
+            </a:r>
+          </a:p>
+          <a:p>
+            <a:pPr marL="169863" indent="0">
+              <a:buNone/>
+            </a:pPr>
             <a:r>
               <a:rPr lang="en-US" sz="1800" dirty="0"/>
-              <a:t>password" : "password1",</a:t>
-            </a:r>
-          </a:p>
-          <a:p>
-            <a:pPr marL="169863" indent="0">
-              <a:buNone/>
-            </a:pPr>
-            <a:r>
-              <a:rPr lang="en-US" sz="1800" dirty="0"/>
-              <a:t>    </a:t>
-            </a:r>
-            <a:r>
-              <a:rPr lang="en-US" sz="1800" dirty="0" smtClean="0"/>
-              <a:t>"</a:t>
-            </a:r>
-            <a:r>
-              <a:rPr lang="en-US" sz="1800" dirty="0"/>
-              <a:t>profession" : "teacher",</a:t>
-            </a:r>
-          </a:p>
-          <a:p>
-            <a:pPr marL="169863" indent="0">
-              <a:buNone/>
-            </a:pPr>
-            <a:r>
-              <a:rPr lang="en-US" sz="1800" dirty="0"/>
-              <a:t>    </a:t>
-            </a:r>
-            <a:r>
-              <a:rPr lang="en-US" sz="1800" dirty="0" smtClean="0"/>
-              <a:t>"</a:t>
-            </a:r>
-            <a:r>
-              <a:rPr lang="en-US" sz="1800" dirty="0"/>
-              <a:t>id": 1</a:t>
-            </a:r>
-          </a:p>
-          <a:p>
-            <a:pPr marL="169863" indent="0">
-              <a:buNone/>
-            </a:pPr>
-            <a:r>
-              <a:rPr lang="en-US" sz="1800" dirty="0"/>
-              <a:t>  </a:t>
-            </a:r>
-            <a:r>
-              <a:rPr lang="en-US" sz="1800" dirty="0" smtClean="0"/>
-              <a:t>},</a:t>
-            </a:r>
-            <a:endParaRPr lang="en-US" sz="1800" dirty="0"/>
+              <a:t>  },</a:t>
+            </a:r>
           </a:p>
         </p:txBody>
       </p:sp>
@@ -5050,13 +4971,6 @@
   <p:clrMapOvr>
     <a:masterClrMapping/>
   </p:clrMapOvr>
-  <p:timing>
-    <p:tnLst>
-      <p:par>
-        <p:cTn id="1" dur="indefinite" restart="never" nodeType="tmRoot"/>
-      </p:par>
-    </p:tnLst>
-  </p:timing>
 </p:sld>
 </file>
 
@@ -5082,7 +4996,7 @@
           <p:cNvPr id="2" name="Title 1">
             <a:extLst>
               <a:ext uri="{FF2B5EF4-FFF2-40B4-BE49-F238E27FC236}">
-                <a16:creationId xmlns="" xmlns:a16="http://schemas.microsoft.com/office/drawing/2014/main" id="{BDFAC13C-59B1-436E-B58F-C304E1C705CF}"/>
+                <a16:creationId xmlns:a16="http://schemas.microsoft.com/office/drawing/2014/main" id="{BDFAC13C-59B1-436E-B58F-C304E1C705CF}"/>
               </a:ext>
             </a:extLst>
           </p:cNvPr>
@@ -5122,7 +5036,7 @@
           <p:cNvPr id="3" name="Content Placeholder 2">
             <a:extLst>
               <a:ext uri="{FF2B5EF4-FFF2-40B4-BE49-F238E27FC236}">
-                <a16:creationId xmlns="" xmlns:a16="http://schemas.microsoft.com/office/drawing/2014/main" id="{844A3DC5-46BF-4BFF-8008-98FD467C4904}"/>
+                <a16:creationId xmlns:a16="http://schemas.microsoft.com/office/drawing/2014/main" id="{844A3DC5-46BF-4BFF-8008-98FD467C4904}"/>
               </a:ext>
             </a:extLst>
           </p:cNvPr>
@@ -5149,12 +5063,8 @@
               <a:buNone/>
             </a:pPr>
             <a:r>
-              <a:rPr lang="en-US" sz="1800" dirty="0" smtClean="0"/>
-              <a:t>    "</a:t>
-            </a:r>
-            <a:r>
               <a:rPr lang="en-US" sz="1800" dirty="0"/>
-              <a:t>user2" : {</a:t>
+              <a:t>    "user2" : {</a:t>
             </a:r>
           </a:p>
           <a:p>
@@ -5163,15 +5073,16 @@
             </a:pPr>
             <a:r>
               <a:rPr lang="en-US" sz="1800" dirty="0"/>
-              <a:t>      </a:t>
-            </a:r>
-            <a:r>
-              <a:rPr lang="en-US" sz="1800" dirty="0" smtClean="0"/>
-              <a:t>  "</a:t>
-            </a:r>
+              <a:t>        "name" : "suresh",</a:t>
+            </a:r>
+          </a:p>
+          <a:p>
+            <a:pPr marL="0" indent="0">
+              <a:buNone/>
+            </a:pPr>
             <a:r>
               <a:rPr lang="en-US" sz="1800" dirty="0"/>
-              <a:t>name" : "suresh",</a:t>
+              <a:t>        "password" : "password2",</a:t>
             </a:r>
           </a:p>
           <a:p>
@@ -5180,15 +5091,16 @@
             </a:pPr>
             <a:r>
               <a:rPr lang="en-US" sz="1800" dirty="0"/>
-              <a:t>      </a:t>
-            </a:r>
-            <a:r>
-              <a:rPr lang="en-US" sz="1800" dirty="0" smtClean="0"/>
-              <a:t>  "</a:t>
-            </a:r>
+              <a:t>        "profession" : "librarian",</a:t>
+            </a:r>
+          </a:p>
+          <a:p>
+            <a:pPr marL="0" indent="0">
+              <a:buNone/>
+            </a:pPr>
             <a:r>
               <a:rPr lang="en-US" sz="1800" dirty="0"/>
-              <a:t>password" : "password2",</a:t>
+              <a:t>        “id": 2</a:t>
             </a:r>
           </a:p>
           <a:p>
@@ -5197,47 +5109,8 @@
             </a:pPr>
             <a:r>
               <a:rPr lang="en-US" sz="1800" dirty="0"/>
-              <a:t>      </a:t>
-            </a:r>
-            <a:r>
-              <a:rPr lang="en-US" sz="1800" dirty="0" smtClean="0"/>
-              <a:t>  "</a:t>
-            </a:r>
-            <a:r>
-              <a:rPr lang="en-US" sz="1800" dirty="0"/>
-              <a:t>profession" : "librarian",</a:t>
-            </a:r>
-          </a:p>
-          <a:p>
-            <a:pPr marL="0" indent="0">
-              <a:buNone/>
-            </a:pPr>
-            <a:r>
-              <a:rPr lang="en-US" sz="1800" dirty="0"/>
-              <a:t>      </a:t>
-            </a:r>
-            <a:r>
-              <a:rPr lang="en-US" sz="1800" dirty="0" smtClean="0"/>
-              <a:t>  “id</a:t>
-            </a:r>
-            <a:r>
-              <a:rPr lang="en-US" sz="1800" dirty="0"/>
-              <a:t>": 2</a:t>
-            </a:r>
-          </a:p>
-          <a:p>
-            <a:pPr marL="0" indent="0">
-              <a:buNone/>
-            </a:pPr>
-            <a:r>
-              <a:rPr lang="en-US" sz="1800" dirty="0"/>
-              <a:t>   </a:t>
-            </a:r>
-            <a:r>
-              <a:rPr lang="en-US" sz="1800" dirty="0" smtClean="0"/>
-              <a:t>  },</a:t>
-            </a:r>
-            <a:endParaRPr lang="en-US" sz="1800" dirty="0"/>
+              <a:t>     },</a:t>
+            </a:r>
           </a:p>
         </p:txBody>
       </p:sp>
@@ -5274,13 +5147,6 @@
   <p:clrMapOvr>
     <a:masterClrMapping/>
   </p:clrMapOvr>
-  <p:timing>
-    <p:tnLst>
-      <p:par>
-        <p:cTn id="1" dur="indefinite" restart="never" nodeType="tmRoot"/>
-      </p:par>
-    </p:tnLst>
-  </p:timing>
 </p:sld>
 </file>
 
@@ -5306,7 +5172,7 @@
           <p:cNvPr id="2" name="Title 1">
             <a:extLst>
               <a:ext uri="{FF2B5EF4-FFF2-40B4-BE49-F238E27FC236}">
-                <a16:creationId xmlns="" xmlns:a16="http://schemas.microsoft.com/office/drawing/2014/main" id="{BDFAC13C-59B1-436E-B58F-C304E1C705CF}"/>
+                <a16:creationId xmlns:a16="http://schemas.microsoft.com/office/drawing/2014/main" id="{BDFAC13C-59B1-436E-B58F-C304E1C705CF}"/>
               </a:ext>
             </a:extLst>
           </p:cNvPr>
@@ -5346,7 +5212,7 @@
           <p:cNvPr id="3" name="Content Placeholder 2">
             <a:extLst>
               <a:ext uri="{FF2B5EF4-FFF2-40B4-BE49-F238E27FC236}">
-                <a16:creationId xmlns="" xmlns:a16="http://schemas.microsoft.com/office/drawing/2014/main" id="{844A3DC5-46BF-4BFF-8008-98FD467C4904}"/>
+                <a16:creationId xmlns:a16="http://schemas.microsoft.com/office/drawing/2014/main" id="{844A3DC5-46BF-4BFF-8008-98FD467C4904}"/>
               </a:ext>
             </a:extLst>
           </p:cNvPr>
@@ -5373,20 +5239,17 @@
               <a:buNone/>
             </a:pPr>
             <a:r>
-              <a:rPr lang="en-US" sz="1800" dirty="0" smtClean="0"/>
-              <a:t>  "user3</a:t>
-            </a:r>
-            <a:r>
               <a:rPr lang="en-US" sz="1800" dirty="0"/>
-              <a:t>" </a:t>
-            </a:r>
-            <a:r>
-              <a:rPr lang="en-US" sz="1800" dirty="0" smtClean="0"/>
-              <a:t>:  </a:t>
-            </a:r>
+              <a:t>  "user3" :  {</a:t>
+            </a:r>
+          </a:p>
+          <a:p>
+            <a:pPr marL="169863" indent="0">
+              <a:buNone/>
+            </a:pPr>
             <a:r>
               <a:rPr lang="en-US" sz="1800" dirty="0"/>
-              <a:t>{</a:t>
+              <a:t>    "name" : "ramesh",</a:t>
             </a:r>
           </a:p>
           <a:p>
@@ -5394,12 +5257,8 @@
               <a:buNone/>
             </a:pPr>
             <a:r>
-              <a:rPr lang="en-US" sz="1800" dirty="0" smtClean="0"/>
-              <a:t>    "</a:t>
-            </a:r>
-            <a:r>
               <a:rPr lang="en-US" sz="1800" dirty="0"/>
-              <a:t>name" : "ramesh",</a:t>
+              <a:t>    "password" : "password3",</a:t>
             </a:r>
           </a:p>
           <a:p>
@@ -5408,15 +5267,16 @@
             </a:pPr>
             <a:r>
               <a:rPr lang="en-US" sz="1800" dirty="0"/>
-              <a:t>    </a:t>
-            </a:r>
-            <a:r>
-              <a:rPr lang="en-US" sz="1800" dirty="0" smtClean="0"/>
-              <a:t>"</a:t>
-            </a:r>
+              <a:t>    "profession" : "clerk",</a:t>
+            </a:r>
+          </a:p>
+          <a:p>
+            <a:pPr marL="169863" indent="0">
+              <a:buNone/>
+            </a:pPr>
             <a:r>
               <a:rPr lang="en-US" sz="1800" dirty="0"/>
-              <a:t>password" : "password3",</a:t>
+              <a:t>    "id": 3</a:t>
             </a:r>
           </a:p>
           <a:p>
@@ -5425,47 +5285,8 @@
             </a:pPr>
             <a:r>
               <a:rPr lang="en-US" sz="1800" dirty="0"/>
-              <a:t>    </a:t>
-            </a:r>
-            <a:r>
-              <a:rPr lang="en-US" sz="1800" dirty="0" smtClean="0"/>
-              <a:t>"</a:t>
-            </a:r>
-            <a:r>
-              <a:rPr lang="en-US" sz="1800" dirty="0"/>
-              <a:t>profession" : "clerk",</a:t>
-            </a:r>
-          </a:p>
-          <a:p>
-            <a:pPr marL="169863" indent="0">
-              <a:buNone/>
-            </a:pPr>
-            <a:r>
-              <a:rPr lang="en-US" sz="1800" dirty="0"/>
-              <a:t>    </a:t>
-            </a:r>
-            <a:r>
-              <a:rPr lang="en-US" sz="1800" dirty="0" smtClean="0"/>
-              <a:t>"</a:t>
-            </a:r>
-            <a:r>
-              <a:rPr lang="en-US" sz="1800" dirty="0"/>
-              <a:t>id": 3</a:t>
-            </a:r>
-          </a:p>
-          <a:p>
-            <a:pPr marL="169863" indent="0">
-              <a:buNone/>
-            </a:pPr>
-            <a:r>
-              <a:rPr lang="en-US" sz="1800" dirty="0"/>
-              <a:t>  </a:t>
-            </a:r>
-            <a:r>
-              <a:rPr lang="en-US" sz="1800" dirty="0" smtClean="0"/>
-              <a:t>}</a:t>
-            </a:r>
-            <a:endParaRPr lang="en-US" sz="1800" dirty="0"/>
+              <a:t>  }</a:t>
+            </a:r>
           </a:p>
           <a:p>
             <a:pPr marL="169863" indent="0">
@@ -5511,13 +5332,6 @@
   <p:clrMapOvr>
     <a:masterClrMapping/>
   </p:clrMapOvr>
-  <p:timing>
-    <p:tnLst>
-      <p:par>
-        <p:cTn id="1" dur="indefinite" restart="never" nodeType="tmRoot"/>
-      </p:par>
-    </p:tnLst>
-  </p:timing>
 </p:sld>
 </file>
 
@@ -5543,7 +5357,7 @@
           <p:cNvPr id="2" name="Title 1">
             <a:extLst>
               <a:ext uri="{FF2B5EF4-FFF2-40B4-BE49-F238E27FC236}">
-                <a16:creationId xmlns="" xmlns:a16="http://schemas.microsoft.com/office/drawing/2014/main" id="{BDFAC13C-59B1-436E-B58F-C304E1C705CF}"/>
+                <a16:creationId xmlns:a16="http://schemas.microsoft.com/office/drawing/2014/main" id="{BDFAC13C-59B1-436E-B58F-C304E1C705CF}"/>
               </a:ext>
             </a:extLst>
           </p:cNvPr>
@@ -5572,11 +5386,7 @@
             </a:r>
             <a:r>
               <a:rPr lang="en-US" sz="2000" u="sng" dirty="0"/>
-              <a:t> </a:t>
-            </a:r>
-            <a:r>
-              <a:rPr lang="en-US" sz="2000" u="sng" dirty="0" smtClean="0"/>
-              <a:t>(server.js)</a:t>
+              <a:t> (server.js)</a:t>
             </a:r>
             <a:endParaRPr lang="en-US" u="sng" dirty="0"/>
           </a:p>
@@ -5587,7 +5397,7 @@
           <p:cNvPr id="3" name="Content Placeholder 2">
             <a:extLst>
               <a:ext uri="{FF2B5EF4-FFF2-40B4-BE49-F238E27FC236}">
-                <a16:creationId xmlns="" xmlns:a16="http://schemas.microsoft.com/office/drawing/2014/main" id="{844A3DC5-46BF-4BFF-8008-98FD467C4904}"/>
+                <a16:creationId xmlns:a16="http://schemas.microsoft.com/office/drawing/2014/main" id="{844A3DC5-46BF-4BFF-8008-98FD467C4904}"/>
               </a:ext>
             </a:extLst>
           </p:cNvPr>
@@ -5647,67 +5457,43 @@
               <a:buNone/>
             </a:pPr>
             <a:r>
-              <a:rPr lang="en-US" sz="1800" dirty="0" smtClean="0">
-                <a:latin typeface="Consolas" panose="020B0609020204030204" pitchFamily="49" charset="0"/>
-              </a:rPr>
-              <a:t>app.get</a:t>
-            </a:r>
-            <a:r>
               <a:rPr lang="en-US" sz="1800" dirty="0">
                 <a:latin typeface="Consolas" panose="020B0609020204030204" pitchFamily="49" charset="0"/>
               </a:rPr>
-              <a:t>('/listUsers', function (req, res) {</a:t>
+              <a:t>app.get('/listUsers', function (req, res) {</a:t>
             </a:r>
           </a:p>
           <a:p>
             <a:pPr marL="0" indent="0">
               <a:buNone/>
             </a:pPr>
-            <a:r>
-              <a:rPr lang="en-US" sz="1800" dirty="0" smtClean="0">
-                <a:latin typeface="Consolas" panose="020B0609020204030204" pitchFamily="49" charset="0"/>
-              </a:rPr>
-              <a:t>  fs.readFile</a:t>
-            </a:r>
             <a:r>
               <a:rPr lang="en-US" sz="1800" dirty="0">
                 <a:latin typeface="Consolas" panose="020B0609020204030204" pitchFamily="49" charset="0"/>
               </a:rPr>
-              <a:t>( __dirname + "/" + "users.json", 'utf8', function (err, data) {</a:t>
+              <a:t>  fs.readFile( __dirname + "/" + "users.json", 'utf8', function (err, data) {</a:t>
             </a:r>
           </a:p>
           <a:p>
             <a:pPr marL="0" indent="0">
               <a:buNone/>
             </a:pPr>
-            <a:r>
-              <a:rPr lang="en-US" sz="1800" dirty="0" smtClean="0">
-                <a:latin typeface="Consolas" panose="020B0609020204030204" pitchFamily="49" charset="0"/>
-              </a:rPr>
-              <a:t>    console.log</a:t>
-            </a:r>
             <a:r>
               <a:rPr lang="en-US" sz="1800" dirty="0">
                 <a:latin typeface="Consolas" panose="020B0609020204030204" pitchFamily="49" charset="0"/>
               </a:rPr>
-              <a:t>( data );</a:t>
+              <a:t>    console.log( data );</a:t>
             </a:r>
           </a:p>
           <a:p>
             <a:pPr marL="0" indent="0">
               <a:buNone/>
             </a:pPr>
-            <a:r>
-              <a:rPr lang="en-US" sz="1800" dirty="0" smtClean="0">
-                <a:latin typeface="Consolas" panose="020B0609020204030204" pitchFamily="49" charset="0"/>
-              </a:rPr>
-              <a:t>    res.end</a:t>
-            </a:r>
             <a:r>
               <a:rPr lang="en-US" sz="1800" dirty="0">
                 <a:latin typeface="Consolas" panose="020B0609020204030204" pitchFamily="49" charset="0"/>
               </a:rPr>
-              <a:t>( data );</a:t>
+              <a:t>    res.end( data );</a:t>
             </a:r>
           </a:p>
           <a:p>
@@ -5715,14 +5501,11 @@
               <a:buNone/>
             </a:pPr>
             <a:r>
-              <a:rPr lang="en-US" sz="1800" dirty="0" smtClean="0">
+              <a:rPr lang="en-US" sz="1800" dirty="0">
                 <a:latin typeface="Consolas" panose="020B0609020204030204" pitchFamily="49" charset="0"/>
               </a:rPr>
               <a:t>  });</a:t>
             </a:r>
-            <a:endParaRPr lang="en-US" sz="1800" dirty="0">
-              <a:latin typeface="Consolas" panose="020B0609020204030204" pitchFamily="49" charset="0"/>
-            </a:endParaRPr>
           </a:p>
           <a:p>
             <a:pPr marL="0" indent="0">
@@ -5770,13 +5553,6 @@
   <p:clrMapOvr>
     <a:masterClrMapping/>
   </p:clrMapOvr>
-  <p:timing>
-    <p:tnLst>
-      <p:par>
-        <p:cTn id="1" dur="indefinite" restart="never" nodeType="tmRoot"/>
-      </p:par>
-    </p:tnLst>
-  </p:timing>
 </p:sld>
 </file>
 
@@ -5802,7 +5578,7 @@
           <p:cNvPr id="2" name="Title 1">
             <a:extLst>
               <a:ext uri="{FF2B5EF4-FFF2-40B4-BE49-F238E27FC236}">
-                <a16:creationId xmlns="" xmlns:a16="http://schemas.microsoft.com/office/drawing/2014/main" id="{BDFAC13C-59B1-436E-B58F-C304E1C705CF}"/>
+                <a16:creationId xmlns:a16="http://schemas.microsoft.com/office/drawing/2014/main" id="{BDFAC13C-59B1-436E-B58F-C304E1C705CF}"/>
               </a:ext>
             </a:extLst>
           </p:cNvPr>
@@ -5831,11 +5607,7 @@
             </a:r>
             <a:r>
               <a:rPr lang="en-US" sz="2000" u="sng" dirty="0"/>
-              <a:t> </a:t>
-            </a:r>
-            <a:r>
-              <a:rPr lang="en-US" sz="2000" u="sng" dirty="0" smtClean="0"/>
-              <a:t>(server.js)</a:t>
+              <a:t> (server.js)</a:t>
             </a:r>
             <a:endParaRPr lang="en-US" u="sng" dirty="0"/>
           </a:p>
@@ -5846,7 +5618,7 @@
           <p:cNvPr id="3" name="Content Placeholder 2">
             <a:extLst>
               <a:ext uri="{FF2B5EF4-FFF2-40B4-BE49-F238E27FC236}">
-                <a16:creationId xmlns="" xmlns:a16="http://schemas.microsoft.com/office/drawing/2014/main" id="{844A3DC5-46BF-4BFF-8008-98FD467C4904}"/>
+                <a16:creationId xmlns:a16="http://schemas.microsoft.com/office/drawing/2014/main" id="{844A3DC5-46BF-4BFF-8008-98FD467C4904}"/>
               </a:ext>
             </a:extLst>
           </p:cNvPr>
@@ -5958,13 +5730,6 @@
   <p:clrMapOvr>
     <a:masterClrMapping/>
   </p:clrMapOvr>
-  <p:timing>
-    <p:tnLst>
-      <p:par>
-        <p:cTn id="1" dur="indefinite" restart="never" nodeType="tmRoot"/>
-      </p:par>
-    </p:tnLst>
-  </p:timing>
 </p:sld>
 </file>
 
@@ -5990,7 +5755,7 @@
           <p:cNvPr id="2" name="Title 1">
             <a:extLst>
               <a:ext uri="{FF2B5EF4-FFF2-40B4-BE49-F238E27FC236}">
-                <a16:creationId xmlns="" xmlns:a16="http://schemas.microsoft.com/office/drawing/2014/main" id="{BDFAC13C-59B1-436E-B58F-C304E1C705CF}"/>
+                <a16:creationId xmlns:a16="http://schemas.microsoft.com/office/drawing/2014/main" id="{BDFAC13C-59B1-436E-B58F-C304E1C705CF}"/>
               </a:ext>
             </a:extLst>
           </p:cNvPr>
@@ -6019,11 +5784,7 @@
             </a:r>
             <a:r>
               <a:rPr lang="en-US" sz="2000" u="sng" dirty="0"/>
-              <a:t> </a:t>
-            </a:r>
-            <a:r>
-              <a:rPr lang="en-US" sz="2000" u="sng" dirty="0" smtClean="0"/>
-              <a:t>(server.js)</a:t>
+              <a:t> (server.js)</a:t>
             </a:r>
             <a:endParaRPr lang="en-US" u="sng" dirty="0"/>
           </a:p>
@@ -6034,7 +5795,7 @@
           <p:cNvPr id="3" name="Content Placeholder 2">
             <a:extLst>
               <a:ext uri="{FF2B5EF4-FFF2-40B4-BE49-F238E27FC236}">
-                <a16:creationId xmlns="" xmlns:a16="http://schemas.microsoft.com/office/drawing/2014/main" id="{844A3DC5-46BF-4BFF-8008-98FD467C4904}"/>
+                <a16:creationId xmlns:a16="http://schemas.microsoft.com/office/drawing/2014/main" id="{844A3DC5-46BF-4BFF-8008-98FD467C4904}"/>
               </a:ext>
             </a:extLst>
           </p:cNvPr>
@@ -6058,7 +5819,7 @@
           <a:lstStyle/>
           <a:p>
             <a:r>
-              <a:rPr lang="en-US" sz="1800" dirty="0" smtClean="0"/>
+              <a:rPr lang="en-US" sz="1800" dirty="0"/>
               <a:t>Now run the program via the command:</a:t>
             </a:r>
           </a:p>
@@ -6070,59 +5831,32 @@
               <a:rPr lang="en-US" sz="1800" dirty="0">
                 <a:latin typeface="Consolas" panose="020B0609020204030204" pitchFamily="49" charset="0"/>
               </a:rPr>
-              <a:t>n</a:t>
-            </a:r>
-            <a:r>
-              <a:rPr lang="en-US" sz="1800" dirty="0" smtClean="0">
-                <a:latin typeface="Consolas" panose="020B0609020204030204" pitchFamily="49" charset="0"/>
-              </a:rPr>
-              <a:t>ode server.js</a:t>
-            </a:r>
-            <a:endParaRPr lang="en-US" sz="1800" dirty="0">
-              <a:latin typeface="Consolas" panose="020B0609020204030204" pitchFamily="49" charset="0"/>
-            </a:endParaRPr>
-          </a:p>
-          <a:p>
-            <a:r>
-              <a:rPr lang="en-US" sz="1800" dirty="0" smtClean="0"/>
-              <a:t>Next try </a:t>
-            </a:r>
+              <a:t>node server.js</a:t>
+            </a:r>
+          </a:p>
+          <a:p>
             <a:r>
               <a:rPr lang="en-US" sz="1800" dirty="0"/>
-              <a:t>to access defined API using URL: </a:t>
-            </a:r>
-            <a:endParaRPr lang="en-US" sz="1800" dirty="0" smtClean="0"/>
+              <a:t>Next try to access defined API using URL: </a:t>
+            </a:r>
           </a:p>
           <a:p>
             <a:pPr marL="0" indent="0">
               <a:buNone/>
             </a:pPr>
-            <a:r>
-              <a:rPr lang="en-US" sz="1800" dirty="0" smtClean="0">
-                <a:hlinkClick r:id="rId2"/>
-              </a:rPr>
-              <a:t>  http</a:t>
-            </a:r>
             <a:r>
               <a:rPr lang="en-US" sz="1800" dirty="0">
                 <a:hlinkClick r:id="rId2"/>
               </a:rPr>
-              <a:t>://</a:t>
-            </a:r>
-            <a:r>
-              <a:rPr lang="en-US" sz="1800" dirty="0" smtClean="0">
-                <a:hlinkClick r:id="rId2"/>
-              </a:rPr>
-              <a:t>localhost:8081/listUsers</a:t>
-            </a:r>
-            <a:endParaRPr lang="en-US" sz="1800" dirty="0" smtClean="0"/>
-          </a:p>
-          <a:p>
-            <a:r>
-              <a:rPr lang="en-US" sz="1800" dirty="0" smtClean="0"/>
+              <a:t>  http://localhost:8081/listUsers</a:t>
+            </a:r>
+            <a:endParaRPr lang="en-US" sz="1800" dirty="0"/>
+          </a:p>
+          <a:p>
+            <a:r>
+              <a:rPr lang="en-US" sz="1800" dirty="0"/>
               <a:t>This should produce the contents of user.json, as shown on slides 11 – 13 </a:t>
             </a:r>
-            <a:endParaRPr lang="en-US" sz="1800" dirty="0"/>
           </a:p>
         </p:txBody>
       </p:sp>
@@ -6159,13 +5893,6 @@
   <p:clrMapOvr>
     <a:masterClrMapping/>
   </p:clrMapOvr>
-  <p:timing>
-    <p:tnLst>
-      <p:par>
-        <p:cTn id="1" dur="indefinite" restart="never" nodeType="tmRoot"/>
-      </p:par>
-    </p:tnLst>
-  </p:timing>
 </p:sld>
 </file>
 
@@ -6191,7 +5918,7 @@
           <p:cNvPr id="2" name="Title 1">
             <a:extLst>
               <a:ext uri="{FF2B5EF4-FFF2-40B4-BE49-F238E27FC236}">
-                <a16:creationId xmlns="" xmlns:a16="http://schemas.microsoft.com/office/drawing/2014/main" id="{BDFAC13C-59B1-436E-B58F-C304E1C705CF}"/>
+                <a16:creationId xmlns:a16="http://schemas.microsoft.com/office/drawing/2014/main" id="{BDFAC13C-59B1-436E-B58F-C304E1C705CF}"/>
               </a:ext>
             </a:extLst>
           </p:cNvPr>
@@ -6220,11 +5947,7 @@
             </a:r>
             <a:r>
               <a:rPr lang="en-US" sz="2000" u="sng" dirty="0"/>
-              <a:t> </a:t>
-            </a:r>
-            <a:r>
-              <a:rPr lang="en-US" sz="2000" u="sng" dirty="0" smtClean="0"/>
-              <a:t>(server.js)</a:t>
+              <a:t> (server.js)</a:t>
             </a:r>
             <a:endParaRPr lang="en-US" u="sng" dirty="0"/>
           </a:p>
@@ -6235,7 +5958,7 @@
           <p:cNvPr id="3" name="Content Placeholder 2">
             <a:extLst>
               <a:ext uri="{FF2B5EF4-FFF2-40B4-BE49-F238E27FC236}">
-                <a16:creationId xmlns="" xmlns:a16="http://schemas.microsoft.com/office/drawing/2014/main" id="{844A3DC5-46BF-4BFF-8008-98FD467C4904}"/>
+                <a16:creationId xmlns:a16="http://schemas.microsoft.com/office/drawing/2014/main" id="{844A3DC5-46BF-4BFF-8008-98FD467C4904}"/>
               </a:ext>
             </a:extLst>
           </p:cNvPr>
@@ -6259,7 +5982,7 @@
           <a:lstStyle/>
           <a:p>
             <a:r>
-              <a:rPr lang="en-US" sz="1800" dirty="0" smtClean="0"/>
+              <a:rPr lang="en-US" sz="1800" dirty="0"/>
               <a:t>Right after the three const declarations at the beginning of the program, add:</a:t>
             </a:r>
           </a:p>
@@ -6277,16 +6000,8 @@
               <a:buNone/>
             </a:pPr>
             <a:r>
-              <a:rPr lang="en-US" sz="1800" dirty="0" smtClean="0"/>
-              <a:t>  "</a:t>
-            </a:r>
-            <a:r>
               <a:rPr lang="en-US" sz="1800" dirty="0"/>
-              <a:t>user4" : </a:t>
-            </a:r>
-            <a:r>
-              <a:rPr lang="en-US" sz="1800" dirty="0" smtClean="0"/>
-              <a:t>{</a:t>
+              <a:t>  "user4" : {</a:t>
             </a:r>
           </a:p>
           <a:p>
@@ -6294,16 +6009,8 @@
               <a:buNone/>
             </a:pPr>
             <a:r>
-              <a:rPr lang="en-US" sz="1800" dirty="0" smtClean="0"/>
-              <a:t>    "</a:t>
-            </a:r>
-            <a:r>
               <a:rPr lang="en-US" sz="1800" dirty="0"/>
-              <a:t>name" : "mohit</a:t>
-            </a:r>
-            <a:r>
-              <a:rPr lang="en-US" sz="1800" dirty="0" smtClean="0"/>
-              <a:t>",</a:t>
+              <a:t>    "name" : "mohit",</a:t>
             </a:r>
           </a:p>
           <a:p>
@@ -6311,12 +6018,8 @@
               <a:buNone/>
             </a:pPr>
             <a:r>
-              <a:rPr lang="en-US" sz="1800" dirty="0" smtClean="0"/>
-              <a:t>    "</a:t>
-            </a:r>
-            <a:r>
               <a:rPr lang="en-US" sz="1800" dirty="0"/>
-              <a:t>password" : "password4",</a:t>
+              <a:t>    "password" : "password4",</a:t>
             </a:r>
           </a:p>
           <a:p>
@@ -6324,12 +6027,8 @@
               <a:buNone/>
             </a:pPr>
             <a:r>
-              <a:rPr lang="en-US" sz="1800" dirty="0" smtClean="0"/>
-              <a:t>    "</a:t>
-            </a:r>
-            <a:r>
               <a:rPr lang="en-US" sz="1800" dirty="0"/>
-              <a:t>profession" : "teacher",</a:t>
+              <a:t>    "profession" : "teacher",</a:t>
             </a:r>
           </a:p>
           <a:p>
@@ -6337,12 +6036,8 @@
               <a:buNone/>
             </a:pPr>
             <a:r>
-              <a:rPr lang="en-US" sz="1800" dirty="0" smtClean="0"/>
-              <a:t>    "</a:t>
-            </a:r>
-            <a:r>
               <a:rPr lang="en-US" sz="1800" dirty="0"/>
-              <a:t>id": 4</a:t>
+              <a:t>    "id": 4</a:t>
             </a:r>
           </a:p>
           <a:p>
@@ -6350,20 +6045,18 @@
               <a:buNone/>
             </a:pPr>
             <a:r>
-              <a:rPr lang="en-US" sz="1800" dirty="0" smtClean="0"/>
+              <a:rPr lang="en-US" sz="1800" dirty="0"/>
               <a:t>  }</a:t>
             </a:r>
-            <a:endParaRPr lang="en-US" sz="1800" dirty="0"/>
           </a:p>
           <a:p>
             <a:pPr marL="228600" indent="0">
               <a:buNone/>
             </a:pPr>
             <a:r>
-              <a:rPr lang="en-US" sz="1800" dirty="0" smtClean="0"/>
+              <a:rPr lang="en-US" sz="1800" dirty="0"/>
               <a:t>}</a:t>
             </a:r>
-            <a:endParaRPr lang="en-US" sz="1800" dirty="0"/>
           </a:p>
           <a:p>
             <a:pPr marL="0" indent="0">
@@ -6412,13 +6105,6 @@
   <p:clrMapOvr>
     <a:masterClrMapping/>
   </p:clrMapOvr>
-  <p:timing>
-    <p:tnLst>
-      <p:par>
-        <p:cTn id="1" dur="indefinite" restart="never" nodeType="tmRoot"/>
-      </p:par>
-    </p:tnLst>
-  </p:timing>
 </p:sld>
 </file>
 
@@ -6444,7 +6130,7 @@
           <p:cNvPr id="2" name="Title 1">
             <a:extLst>
               <a:ext uri="{FF2B5EF4-FFF2-40B4-BE49-F238E27FC236}">
-                <a16:creationId xmlns="" xmlns:a16="http://schemas.microsoft.com/office/drawing/2014/main" id="{BDFAC13C-59B1-436E-B58F-C304E1C705CF}"/>
+                <a16:creationId xmlns:a16="http://schemas.microsoft.com/office/drawing/2014/main" id="{BDFAC13C-59B1-436E-B58F-C304E1C705CF}"/>
               </a:ext>
             </a:extLst>
           </p:cNvPr>
@@ -6473,11 +6159,7 @@
             </a:r>
             <a:r>
               <a:rPr lang="en-US" sz="2000" u="sng" dirty="0"/>
-              <a:t> </a:t>
-            </a:r>
-            <a:r>
-              <a:rPr lang="en-US" sz="2000" u="sng" dirty="0" smtClean="0"/>
-              <a:t>(server.js)</a:t>
+              <a:t> (server.js)</a:t>
             </a:r>
             <a:endParaRPr lang="en-US" u="sng" dirty="0"/>
           </a:p>
@@ -6488,7 +6170,7 @@
           <p:cNvPr id="3" name="Content Placeholder 2">
             <a:extLst>
               <a:ext uri="{FF2B5EF4-FFF2-40B4-BE49-F238E27FC236}">
-                <a16:creationId xmlns="" xmlns:a16="http://schemas.microsoft.com/office/drawing/2014/main" id="{844A3DC5-46BF-4BFF-8008-98FD467C4904}"/>
+                <a16:creationId xmlns:a16="http://schemas.microsoft.com/office/drawing/2014/main" id="{844A3DC5-46BF-4BFF-8008-98FD467C4904}"/>
               </a:ext>
             </a:extLst>
           </p:cNvPr>
@@ -6512,7 +6194,7 @@
           <a:lstStyle/>
           <a:p>
             <a:r>
-              <a:rPr lang="en-US" sz="1800" dirty="0" smtClean="0"/>
+              <a:rPr lang="en-US" sz="1800" dirty="0"/>
               <a:t>Right after the three const declarations at the beginning of the program, add:</a:t>
             </a:r>
           </a:p>
@@ -6530,12 +6212,8 @@
               <a:buNone/>
             </a:pPr>
             <a:r>
-              <a:rPr lang="en-US" sz="1800" dirty="0" smtClean="0"/>
-              <a:t>  // </a:t>
-            </a:r>
-            <a:r>
               <a:rPr lang="en-US" sz="1800" dirty="0"/>
-              <a:t>First read existing users.</a:t>
+              <a:t>  // First read existing users.</a:t>
             </a:r>
           </a:p>
           <a:p>
@@ -6543,12 +6221,8 @@
               <a:buNone/>
             </a:pPr>
             <a:r>
-              <a:rPr lang="en-US" sz="1800" dirty="0" smtClean="0"/>
-              <a:t>  fs.readFile</a:t>
-            </a:r>
-            <a:r>
               <a:rPr lang="en-US" sz="1800" dirty="0"/>
-              <a:t>( __dirname + "/" + "users.json", 'utf8', function (err, data) {</a:t>
+              <a:t>  fs.readFile( __dirname + "/" + "users.json", 'utf8', function (err, data) {</a:t>
             </a:r>
           </a:p>
           <a:p>
@@ -6556,12 +6230,8 @@
               <a:buNone/>
             </a:pPr>
             <a:r>
-              <a:rPr lang="en-US" sz="1800" dirty="0" smtClean="0"/>
-              <a:t>    data </a:t>
-            </a:r>
-            <a:r>
               <a:rPr lang="en-US" sz="1800" dirty="0"/>
-              <a:t>= JSON.parse( data );</a:t>
+              <a:t>    data = JSON.parse( data );</a:t>
             </a:r>
           </a:p>
           <a:p>
@@ -6569,12 +6239,8 @@
               <a:buNone/>
             </a:pPr>
             <a:r>
-              <a:rPr lang="en-US" sz="1800" dirty="0" smtClean="0"/>
-              <a:t>    data</a:t>
-            </a:r>
-            <a:r>
               <a:rPr lang="en-US" sz="1800" dirty="0"/>
-              <a:t>["user4"] = user["user4"];</a:t>
+              <a:t>    data["user4"] = user["user4"];</a:t>
             </a:r>
           </a:p>
           <a:p>
@@ -6582,12 +6248,8 @@
               <a:buNone/>
             </a:pPr>
             <a:r>
-              <a:rPr lang="en-US" sz="1800" dirty="0" smtClean="0"/>
-              <a:t>    console.log(“Added: “ + data </a:t>
-            </a:r>
-            <a:r>
               <a:rPr lang="en-US" sz="1800" dirty="0"/>
-              <a:t>);</a:t>
+              <a:t>    console.log(“Added: “ + data );</a:t>
             </a:r>
           </a:p>
           <a:p>
@@ -6595,12 +6257,8 @@
               <a:buNone/>
             </a:pPr>
             <a:r>
-              <a:rPr lang="en-US" sz="1800" dirty="0" smtClean="0"/>
-              <a:t>    res.end</a:t>
-            </a:r>
-            <a:r>
               <a:rPr lang="en-US" sz="1800" dirty="0"/>
-              <a:t>( JSON.stringify(data));</a:t>
+              <a:t>    res.end( JSON.stringify(data));</a:t>
             </a:r>
           </a:p>
           <a:p>
@@ -6608,10 +6266,9 @@
               <a:buNone/>
             </a:pPr>
             <a:r>
-              <a:rPr lang="en-US" sz="1800" dirty="0" smtClean="0"/>
+              <a:rPr lang="en-US" sz="1800" dirty="0"/>
               <a:t>  });</a:t>
             </a:r>
-            <a:endParaRPr lang="en-US" sz="1800" dirty="0"/>
           </a:p>
           <a:p>
             <a:pPr marL="228600" indent="0">
@@ -6619,11 +6276,7 @@
             </a:pPr>
             <a:r>
               <a:rPr lang="en-US" sz="1800" dirty="0"/>
-              <a:t>})</a:t>
-            </a:r>
-            <a:r>
-              <a:rPr lang="en-US" sz="1800" dirty="0"/>
-              <a:t> </a:t>
+              <a:t>}) </a:t>
             </a:r>
             <a:endParaRPr lang="en-US" sz="1800" dirty="0">
               <a:latin typeface="Consolas" panose="020B0609020204030204" pitchFamily="49" charset="0"/>
@@ -6664,13 +6317,6 @@
   <p:clrMapOvr>
     <a:masterClrMapping/>
   </p:clrMapOvr>
-  <p:timing>
-    <p:tnLst>
-      <p:par>
-        <p:cTn id="1" dur="indefinite" restart="never" nodeType="tmRoot"/>
-      </p:par>
-    </p:tnLst>
-  </p:timing>
 </p:sld>
 </file>
 
@@ -6696,7 +6342,7 @@
           <p:cNvPr id="2" name="Title 1">
             <a:extLst>
               <a:ext uri="{FF2B5EF4-FFF2-40B4-BE49-F238E27FC236}">
-                <a16:creationId xmlns="" xmlns:a16="http://schemas.microsoft.com/office/drawing/2014/main" id="{BDFAC13C-59B1-436E-B58F-C304E1C705CF}"/>
+                <a16:creationId xmlns:a16="http://schemas.microsoft.com/office/drawing/2014/main" id="{BDFAC13C-59B1-436E-B58F-C304E1C705CF}"/>
               </a:ext>
             </a:extLst>
           </p:cNvPr>
@@ -6725,11 +6371,7 @@
             </a:r>
             <a:r>
               <a:rPr lang="en-US" sz="2000" u="sng" dirty="0"/>
-              <a:t> </a:t>
-            </a:r>
-            <a:r>
-              <a:rPr lang="en-US" sz="2000" u="sng" dirty="0" smtClean="0"/>
-              <a:t>(server.js)</a:t>
+              <a:t> (server.js)</a:t>
             </a:r>
             <a:endParaRPr lang="en-US" u="sng" dirty="0"/>
           </a:p>
@@ -6740,7 +6382,7 @@
           <p:cNvPr id="3" name="Content Placeholder 2">
             <a:extLst>
               <a:ext uri="{FF2B5EF4-FFF2-40B4-BE49-F238E27FC236}">
-                <a16:creationId xmlns="" xmlns:a16="http://schemas.microsoft.com/office/drawing/2014/main" id="{844A3DC5-46BF-4BFF-8008-98FD467C4904}"/>
+                <a16:creationId xmlns:a16="http://schemas.microsoft.com/office/drawing/2014/main" id="{844A3DC5-46BF-4BFF-8008-98FD467C4904}"/>
               </a:ext>
             </a:extLst>
           </p:cNvPr>
@@ -6765,27 +6407,7 @@
           <a:p>
             <a:r>
               <a:rPr lang="en-US" sz="1800" dirty="0"/>
-              <a:t>Now try to access defined API using URL: http</a:t>
-            </a:r>
-            <a:r>
-              <a:rPr lang="en-US" sz="1800" dirty="0" smtClean="0"/>
-              <a:t>://localhost:8081/addUser </a:t>
-            </a:r>
-            <a:r>
-              <a:rPr lang="en-US" sz="1800" dirty="0"/>
-              <a:t>and </a:t>
-            </a:r>
-            <a:r>
-              <a:rPr lang="en-US" sz="1800" dirty="0" smtClean="0"/>
-              <a:t>this </a:t>
-            </a:r>
-            <a:r>
-              <a:rPr lang="en-US" sz="1800" dirty="0"/>
-              <a:t>should produce following </a:t>
-            </a:r>
-            <a:r>
-              <a:rPr lang="en-US" sz="1800" dirty="0" smtClean="0"/>
-              <a:t>result:</a:t>
+              <a:t>Now try to access defined API using URL: http://localhost:8081/addUser and this should produce following result:</a:t>
             </a:r>
           </a:p>
           <a:p>
@@ -6793,7 +6415,7 @@
               <a:buNone/>
             </a:pPr>
             <a:r>
-              <a:rPr lang="en-US" sz="1600" dirty="0" smtClean="0">
+              <a:rPr lang="en-US" sz="1600" dirty="0">
                 <a:latin typeface="Consolas" panose="020B0609020204030204" pitchFamily="49" charset="0"/>
               </a:rPr>
               <a:t>{</a:t>
@@ -6804,52 +6426,10 @@
               <a:buNone/>
             </a:pPr>
             <a:r>
-              <a:rPr lang="en-US" sz="1600" dirty="0" smtClean="0">
-                <a:latin typeface="Consolas" panose="020B0609020204030204" pitchFamily="49" charset="0"/>
-              </a:rPr>
-              <a:t>"</a:t>
-            </a:r>
-            <a:r>
               <a:rPr lang="en-US" sz="1600" dirty="0">
                 <a:latin typeface="Consolas" panose="020B0609020204030204" pitchFamily="49" charset="0"/>
               </a:rPr>
-              <a:t>user1":{"name":"mahesh","password":"password1","profession":"teacher","id":1</a:t>
-            </a:r>
-            <a:r>
-              <a:rPr lang="en-US" sz="1600" dirty="0" smtClean="0">
-                <a:latin typeface="Consolas" panose="020B0609020204030204" pitchFamily="49" charset="0"/>
-              </a:rPr>
-              <a:t>},       "user2</a:t>
-            </a:r>
-            <a:r>
-              <a:rPr lang="en-US" sz="1600" dirty="0">
-                <a:latin typeface="Consolas" panose="020B0609020204030204" pitchFamily="49" charset="0"/>
-              </a:rPr>
-              <a:t>":{"name":"suresh","password":"password2","profession":"librarian","id":2</a:t>
-            </a:r>
-            <a:r>
-              <a:rPr lang="en-US" sz="1600" dirty="0" smtClean="0">
-                <a:latin typeface="Consolas" panose="020B0609020204030204" pitchFamily="49" charset="0"/>
-              </a:rPr>
-              <a:t>},   "</a:t>
-            </a:r>
-            <a:r>
-              <a:rPr lang="en-US" sz="1600" dirty="0">
-                <a:latin typeface="Consolas" panose="020B0609020204030204" pitchFamily="49" charset="0"/>
-              </a:rPr>
-              <a:t>user3":{"name":"ramesh","password":"password3","profession":"clerk","id":3</a:t>
-            </a:r>
-            <a:r>
-              <a:rPr lang="en-US" sz="1600" dirty="0" smtClean="0">
-                <a:latin typeface="Consolas" panose="020B0609020204030204" pitchFamily="49" charset="0"/>
-              </a:rPr>
-              <a:t>},    "</a:t>
-            </a:r>
-            <a:r>
-              <a:rPr lang="en-US" sz="1600" dirty="0">
-                <a:latin typeface="Consolas" panose="020B0609020204030204" pitchFamily="49" charset="0"/>
-              </a:rPr>
-              <a:t>user4":{"name":"mohit","password":"password4","profession":"teacher","id":4}</a:t>
+              <a:t>"user1":{"name":"mahesh","password":"password1","profession":"teacher","id":1},       "user2":{"name":"suresh","password":"password2","profession":"librarian","id":2},   "user3":{"name":"ramesh","password":"password3","profession":"clerk","id":3},    "user4":{"name":"mohit","password":"password4","profession":"teacher","id":4}</a:t>
             </a:r>
           </a:p>
           <a:p>
@@ -6896,13 +6476,6 @@
   <p:clrMapOvr>
     <a:masterClrMapping/>
   </p:clrMapOvr>
-  <p:timing>
-    <p:tnLst>
-      <p:par>
-        <p:cTn id="1" dur="indefinite" restart="never" nodeType="tmRoot"/>
-      </p:par>
-    </p:tnLst>
-  </p:timing>
 </p:sld>
 </file>
 
@@ -6928,7 +6501,7 @@
           <p:cNvPr id="2" name="Title 1">
             <a:extLst>
               <a:ext uri="{FF2B5EF4-FFF2-40B4-BE49-F238E27FC236}">
-                <a16:creationId xmlns="" xmlns:a16="http://schemas.microsoft.com/office/drawing/2014/main" id="{BDFAC13C-59B1-436E-B58F-C304E1C705CF}"/>
+                <a16:creationId xmlns:a16="http://schemas.microsoft.com/office/drawing/2014/main" id="{BDFAC13C-59B1-436E-B58F-C304E1C705CF}"/>
               </a:ext>
             </a:extLst>
           </p:cNvPr>
@@ -6952,10 +6525,9 @@
           <a:lstStyle/>
           <a:p>
             <a:r>
-              <a:rPr lang="en-US" u="sng" dirty="0" smtClean="0"/>
+              <a:rPr lang="en-US" u="sng" dirty="0"/>
               <a:t>Objectives</a:t>
             </a:r>
-            <a:endParaRPr lang="en-US" u="sng" dirty="0"/>
           </a:p>
         </p:txBody>
       </p:sp>
@@ -6964,7 +6536,7 @@
           <p:cNvPr id="3" name="Content Placeholder 2">
             <a:extLst>
               <a:ext uri="{FF2B5EF4-FFF2-40B4-BE49-F238E27FC236}">
-                <a16:creationId xmlns="" xmlns:a16="http://schemas.microsoft.com/office/drawing/2014/main" id="{844A3DC5-46BF-4BFF-8008-98FD467C4904}"/>
+                <a16:creationId xmlns:a16="http://schemas.microsoft.com/office/drawing/2014/main" id="{844A3DC5-46BF-4BFF-8008-98FD467C4904}"/>
               </a:ext>
             </a:extLst>
           </p:cNvPr>
@@ -6988,24 +6560,15 @@
           <a:lstStyle/>
           <a:p>
             <a:r>
-              <a:rPr lang="en-US" sz="1800" dirty="0" smtClean="0"/>
-              <a:t>Go through </a:t>
-            </a:r>
-            <a:r>
-              <a:rPr lang="en-US" sz="1800" dirty="0" smtClean="0"/>
-              <a:t>Node.js Restful APIs</a:t>
-            </a:r>
-            <a:endParaRPr lang="en-US" sz="1800" dirty="0" smtClean="0"/>
+              <a:rPr lang="en-US" sz="1800" dirty="0"/>
+              <a:t>Go through Node.js Restful APIs</a:t>
+            </a:r>
           </a:p>
           <a:p>
             <a:pPr lvl="0"/>
             <a:r>
-              <a:rPr lang="en-US" sz="1800" dirty="0" smtClean="0"/>
-              <a:t>Go through Node.js AJAX </a:t>
-            </a:r>
-            <a:r>
               <a:rPr lang="en-US" sz="1800" dirty="0"/>
-              <a:t>w/ jQuery or Fetch API</a:t>
+              <a:t>Go through Node.js AJAX w/ jQuery or Fetch API</a:t>
             </a:r>
           </a:p>
         </p:txBody>
@@ -7015,7 +6578,7 @@
           <p:cNvPr id="4" name="Rectangle 3">
             <a:extLst>
               <a:ext uri="{FF2B5EF4-FFF2-40B4-BE49-F238E27FC236}">
-                <a16:creationId xmlns="" xmlns:a16="http://schemas.microsoft.com/office/drawing/2014/main" id="{0C71533A-4A29-47E2-A4D4-85E44356516A}"/>
+                <a16:creationId xmlns:a16="http://schemas.microsoft.com/office/drawing/2014/main" id="{0C71533A-4A29-47E2-A4D4-85E44356516A}"/>
               </a:ext>
             </a:extLst>
           </p:cNvPr>
@@ -7090,13 +6653,6 @@
   <p:clrMapOvr>
     <a:masterClrMapping/>
   </p:clrMapOvr>
-  <p:timing>
-    <p:tnLst>
-      <p:par>
-        <p:cTn id="1" dur="indefinite" restart="never" nodeType="tmRoot"/>
-      </p:par>
-    </p:tnLst>
-  </p:timing>
 </p:sld>
 </file>
 
@@ -7122,7 +6678,7 @@
           <p:cNvPr id="2" name="Title 1">
             <a:extLst>
               <a:ext uri="{FF2B5EF4-FFF2-40B4-BE49-F238E27FC236}">
-                <a16:creationId xmlns="" xmlns:a16="http://schemas.microsoft.com/office/drawing/2014/main" id="{BDFAC13C-59B1-436E-B58F-C304E1C705CF}"/>
+                <a16:creationId xmlns:a16="http://schemas.microsoft.com/office/drawing/2014/main" id="{BDFAC13C-59B1-436E-B58F-C304E1C705CF}"/>
               </a:ext>
             </a:extLst>
           </p:cNvPr>
@@ -7151,11 +6707,7 @@
             </a:r>
             <a:r>
               <a:rPr lang="en-US" sz="2000" u="sng" dirty="0"/>
-              <a:t> </a:t>
-            </a:r>
-            <a:r>
-              <a:rPr lang="en-US" sz="2000" u="sng" dirty="0" smtClean="0"/>
-              <a:t>(server.js)</a:t>
+              <a:t> (server.js)</a:t>
             </a:r>
             <a:endParaRPr lang="en-US" u="sng" dirty="0"/>
           </a:p>
@@ -7166,7 +6718,7 @@
           <p:cNvPr id="3" name="Content Placeholder 2">
             <a:extLst>
               <a:ext uri="{FF2B5EF4-FFF2-40B4-BE49-F238E27FC236}">
-                <a16:creationId xmlns="" xmlns:a16="http://schemas.microsoft.com/office/drawing/2014/main" id="{844A3DC5-46BF-4BFF-8008-98FD467C4904}"/>
+                <a16:creationId xmlns:a16="http://schemas.microsoft.com/office/drawing/2014/main" id="{844A3DC5-46BF-4BFF-8008-98FD467C4904}"/>
               </a:ext>
             </a:extLst>
           </p:cNvPr>
@@ -7191,19 +6743,7 @@
           <a:p>
             <a:r>
               <a:rPr lang="en-US" sz="1800" dirty="0"/>
-              <a:t>Now we will implement an API which will be called using </a:t>
-            </a:r>
-            <a:r>
-              <a:rPr lang="en-US" sz="1800" dirty="0" smtClean="0"/>
-              <a:t>a user </a:t>
-            </a:r>
-            <a:r>
-              <a:rPr lang="en-US" sz="1800" dirty="0"/>
-              <a:t>ID and it will display the detail of the corresponding </a:t>
-            </a:r>
-            <a:r>
-              <a:rPr lang="en-US" sz="1800" dirty="0" smtClean="0"/>
-              <a:t>user.  Add the following code to server.js after the const’s:</a:t>
+              <a:t>Now we will implement an API which will be called using a user ID and it will display the detail of the corresponding user.  Add the following code to server.js after the const’s:</a:t>
             </a:r>
           </a:p>
           <a:p>
@@ -7222,107 +6762,65 @@
               <a:buNone/>
             </a:pPr>
             <a:r>
-              <a:rPr lang="en-US" sz="1600" dirty="0" smtClean="0">
-                <a:latin typeface="Consolas" panose="020B0609020204030204" pitchFamily="49" charset="0"/>
-              </a:rPr>
-              <a:t>  // </a:t>
-            </a:r>
-            <a:r>
               <a:rPr lang="en-US" sz="1600" dirty="0">
                 <a:latin typeface="Consolas" panose="020B0609020204030204" pitchFamily="49" charset="0"/>
               </a:rPr>
-              <a:t>First read existing users.</a:t>
+              <a:t>  // First read existing users.</a:t>
             </a:r>
           </a:p>
           <a:p>
             <a:pPr marL="169863" indent="0">
               <a:buNone/>
             </a:pPr>
-            <a:r>
-              <a:rPr lang="en-US" sz="1600" dirty="0" smtClean="0">
-                <a:latin typeface="Consolas" panose="020B0609020204030204" pitchFamily="49" charset="0"/>
-              </a:rPr>
-              <a:t>  fs.readFile</a:t>
-            </a:r>
             <a:r>
               <a:rPr lang="en-US" sz="1600" dirty="0">
                 <a:latin typeface="Consolas" panose="020B0609020204030204" pitchFamily="49" charset="0"/>
               </a:rPr>
-              <a:t>( __dirname + "/" + "users.json", 'utf8', function (err, data) {</a:t>
+              <a:t>  fs.readFile( __dirname + "/" + "users.json", 'utf8', function (err, data) {</a:t>
             </a:r>
           </a:p>
           <a:p>
             <a:pPr marL="169863" indent="0">
               <a:buNone/>
             </a:pPr>
-            <a:r>
-              <a:rPr lang="en-US" sz="1600" dirty="0" smtClean="0">
-                <a:latin typeface="Consolas" panose="020B0609020204030204" pitchFamily="49" charset="0"/>
-              </a:rPr>
-              <a:t>    var </a:t>
-            </a:r>
             <a:r>
               <a:rPr lang="en-US" sz="1600" dirty="0">
                 <a:latin typeface="Consolas" panose="020B0609020204030204" pitchFamily="49" charset="0"/>
               </a:rPr>
-              <a:t>users = JSON.parse( data );</a:t>
+              <a:t>    var users = JSON.parse( data );</a:t>
             </a:r>
           </a:p>
           <a:p>
             <a:pPr marL="169863" indent="0">
               <a:buNone/>
             </a:pPr>
-            <a:r>
-              <a:rPr lang="en-US" sz="1600" dirty="0" smtClean="0">
-                <a:latin typeface="Consolas" panose="020B0609020204030204" pitchFamily="49" charset="0"/>
-              </a:rPr>
-              <a:t>    var </a:t>
-            </a:r>
             <a:r>
               <a:rPr lang="en-US" sz="1600" dirty="0">
                 <a:latin typeface="Consolas" panose="020B0609020204030204" pitchFamily="49" charset="0"/>
               </a:rPr>
-              <a:t>user = users["user" + req.params.id] </a:t>
+              <a:t>    var user = users["user" + req.params.id] </a:t>
             </a:r>
           </a:p>
           <a:p>
             <a:pPr marL="169863" indent="0">
               <a:buNone/>
             </a:pPr>
-            <a:r>
-              <a:rPr lang="en-US" sz="1600" dirty="0" smtClean="0">
-                <a:latin typeface="Consolas" panose="020B0609020204030204" pitchFamily="49" charset="0"/>
-              </a:rPr>
-              <a:t>    console.log( </a:t>
-            </a:r>
             <a:r>
               <a:rPr lang="en-US" sz="1600" dirty="0">
                 <a:latin typeface="Consolas" panose="020B0609020204030204" pitchFamily="49" charset="0"/>
               </a:rPr>
-              <a:t>user );</a:t>
+              <a:t>    console.log( user );</a:t>
             </a:r>
           </a:p>
           <a:p>
             <a:pPr marL="169863" indent="0">
               <a:buNone/>
             </a:pPr>
-            <a:r>
-              <a:rPr lang="en-US" sz="1600" dirty="0" smtClean="0">
-                <a:latin typeface="Consolas" panose="020B0609020204030204" pitchFamily="49" charset="0"/>
-              </a:rPr>
-              <a:t>    res.end</a:t>
-            </a:r>
             <a:r>
               <a:rPr lang="en-US" sz="1600" dirty="0">
                 <a:latin typeface="Consolas" panose="020B0609020204030204" pitchFamily="49" charset="0"/>
               </a:rPr>
-              <a:t>( JSON.stringify(user</a:t>
-            </a:r>
-            <a:r>
-              <a:rPr lang="en-US" sz="1600" dirty="0" smtClean="0">
-                <a:latin typeface="Consolas" panose="020B0609020204030204" pitchFamily="49" charset="0"/>
-              </a:rPr>
-              <a:t>));</a:t>
+              <a:t>    res.end( JSON.stringify(user));</a:t>
             </a:r>
           </a:p>
           <a:p>
@@ -7330,7 +6828,7 @@
               <a:buNone/>
             </a:pPr>
             <a:r>
-              <a:rPr lang="en-US" sz="1600" dirty="0" smtClean="0">
+              <a:rPr lang="en-US" sz="1600" dirty="0">
                 <a:latin typeface="Consolas" panose="020B0609020204030204" pitchFamily="49" charset="0"/>
               </a:rPr>
               <a:t>  });</a:t>
@@ -7341,14 +6839,11 @@
               <a:buNone/>
             </a:pPr>
             <a:r>
-              <a:rPr lang="en-US" sz="1600" dirty="0" smtClean="0">
+              <a:rPr lang="en-US" sz="1600" dirty="0">
                 <a:latin typeface="Consolas" panose="020B0609020204030204" pitchFamily="49" charset="0"/>
               </a:rPr>
               <a:t>})</a:t>
             </a:r>
-            <a:endParaRPr lang="en-US" sz="1600" dirty="0">
-              <a:latin typeface="Consolas" panose="020B0609020204030204" pitchFamily="49" charset="0"/>
-            </a:endParaRPr>
           </a:p>
         </p:txBody>
       </p:sp>
@@ -7385,13 +6880,6 @@
   <p:clrMapOvr>
     <a:masterClrMapping/>
   </p:clrMapOvr>
-  <p:timing>
-    <p:tnLst>
-      <p:par>
-        <p:cTn id="1" dur="indefinite" restart="never" nodeType="tmRoot"/>
-      </p:par>
-    </p:tnLst>
-  </p:timing>
 </p:sld>
 </file>
 
@@ -7417,7 +6905,7 @@
           <p:cNvPr id="2" name="Title 1">
             <a:extLst>
               <a:ext uri="{FF2B5EF4-FFF2-40B4-BE49-F238E27FC236}">
-                <a16:creationId xmlns="" xmlns:a16="http://schemas.microsoft.com/office/drawing/2014/main" id="{BDFAC13C-59B1-436E-B58F-C304E1C705CF}"/>
+                <a16:creationId xmlns:a16="http://schemas.microsoft.com/office/drawing/2014/main" id="{BDFAC13C-59B1-436E-B58F-C304E1C705CF}"/>
               </a:ext>
             </a:extLst>
           </p:cNvPr>
@@ -7446,11 +6934,7 @@
             </a:r>
             <a:r>
               <a:rPr lang="en-US" sz="2000" u="sng" dirty="0"/>
-              <a:t> </a:t>
-            </a:r>
-            <a:r>
-              <a:rPr lang="en-US" sz="2000" u="sng" dirty="0" smtClean="0"/>
-              <a:t>(server.js)</a:t>
+              <a:t> (server.js)</a:t>
             </a:r>
             <a:endParaRPr lang="en-US" u="sng" dirty="0"/>
           </a:p>
@@ -7461,7 +6945,7 @@
           <p:cNvPr id="3" name="Content Placeholder 2">
             <a:extLst>
               <a:ext uri="{FF2B5EF4-FFF2-40B4-BE49-F238E27FC236}">
-                <a16:creationId xmlns="" xmlns:a16="http://schemas.microsoft.com/office/drawing/2014/main" id="{844A3DC5-46BF-4BFF-8008-98FD467C4904}"/>
+                <a16:creationId xmlns:a16="http://schemas.microsoft.com/office/drawing/2014/main" id="{844A3DC5-46BF-4BFF-8008-98FD467C4904}"/>
               </a:ext>
             </a:extLst>
           </p:cNvPr>
@@ -7486,27 +6970,7 @@
           <a:p>
             <a:r>
               <a:rPr lang="en-US" sz="1800" dirty="0"/>
-              <a:t>Now try to access defined API using URL: http</a:t>
-            </a:r>
-            <a:r>
-              <a:rPr lang="en-US" sz="1800" dirty="0" smtClean="0"/>
-              <a:t>://localhost:8081/2 </a:t>
-            </a:r>
-            <a:r>
-              <a:rPr lang="en-US" sz="1800" dirty="0"/>
-              <a:t>and </a:t>
-            </a:r>
-            <a:r>
-              <a:rPr lang="en-US" sz="1800" dirty="0" smtClean="0"/>
-              <a:t>this </a:t>
-            </a:r>
-            <a:r>
-              <a:rPr lang="en-US" sz="1800" dirty="0"/>
-              <a:t>should produce following </a:t>
-            </a:r>
-            <a:r>
-              <a:rPr lang="en-US" sz="1800" dirty="0" smtClean="0"/>
-              <a:t>result:</a:t>
+              <a:t>Now try to access defined API using URL: http://localhost:8081/2 and this should produce following result:</a:t>
             </a:r>
           </a:p>
           <a:p>
@@ -7555,13 +7019,6 @@
   <p:clrMapOvr>
     <a:masterClrMapping/>
   </p:clrMapOvr>
-  <p:timing>
-    <p:tnLst>
-      <p:par>
-        <p:cTn id="1" dur="indefinite" restart="never" nodeType="tmRoot"/>
-      </p:par>
-    </p:tnLst>
-  </p:timing>
 </p:sld>
 </file>
 
@@ -7587,7 +7044,7 @@
           <p:cNvPr id="2" name="Title 1">
             <a:extLst>
               <a:ext uri="{FF2B5EF4-FFF2-40B4-BE49-F238E27FC236}">
-                <a16:creationId xmlns="" xmlns:a16="http://schemas.microsoft.com/office/drawing/2014/main" id="{BDFAC13C-59B1-436E-B58F-C304E1C705CF}"/>
+                <a16:creationId xmlns:a16="http://schemas.microsoft.com/office/drawing/2014/main" id="{BDFAC13C-59B1-436E-B58F-C304E1C705CF}"/>
               </a:ext>
             </a:extLst>
           </p:cNvPr>
@@ -7616,11 +7073,7 @@
             </a:r>
             <a:r>
               <a:rPr lang="en-US" sz="2000" u="sng" dirty="0"/>
-              <a:t> </a:t>
-            </a:r>
-            <a:r>
-              <a:rPr lang="en-US" sz="2000" u="sng" dirty="0" smtClean="0"/>
-              <a:t>(server.js)</a:t>
+              <a:t> (server.js)</a:t>
             </a:r>
             <a:endParaRPr lang="en-US" u="sng" dirty="0"/>
           </a:p>
@@ -7631,7 +7084,7 @@
           <p:cNvPr id="3" name="Content Placeholder 2">
             <a:extLst>
               <a:ext uri="{FF2B5EF4-FFF2-40B4-BE49-F238E27FC236}">
-                <a16:creationId xmlns="" xmlns:a16="http://schemas.microsoft.com/office/drawing/2014/main" id="{844A3DC5-46BF-4BFF-8008-98FD467C4904}"/>
+                <a16:creationId xmlns:a16="http://schemas.microsoft.com/office/drawing/2014/main" id="{844A3DC5-46BF-4BFF-8008-98FD467C4904}"/>
               </a:ext>
             </a:extLst>
           </p:cNvPr>
@@ -7656,27 +7109,7 @@
           <a:p>
             <a:r>
               <a:rPr lang="en-US" sz="1800" dirty="0"/>
-              <a:t>Now we will implement an API which will be called using </a:t>
-            </a:r>
-            <a:r>
-              <a:rPr lang="en-US" sz="1800" dirty="0" smtClean="0"/>
-              <a:t>a user </a:t>
-            </a:r>
-            <a:r>
-              <a:rPr lang="en-US" sz="1800" dirty="0"/>
-              <a:t>ID and it will </a:t>
-            </a:r>
-            <a:r>
-              <a:rPr lang="en-US" sz="1800" dirty="0" smtClean="0"/>
-              <a:t>delete </a:t>
-            </a:r>
-            <a:r>
-              <a:rPr lang="en-US" sz="1800" dirty="0"/>
-              <a:t>the corresponding </a:t>
-            </a:r>
-            <a:r>
-              <a:rPr lang="en-US" sz="1800" dirty="0" smtClean="0"/>
-              <a:t>user.  Add the following code to server.js after the const’s:</a:t>
+              <a:t>Now we will implement an API which will be called using a user ID and it will delete the corresponding user.  Add the following code to server.js after the const’s:</a:t>
             </a:r>
           </a:p>
           <a:p>
@@ -7695,128 +7128,77 @@
               <a:buNone/>
             </a:pPr>
             <a:r>
-              <a:rPr lang="en-US" sz="1600" dirty="0" smtClean="0">
-                <a:latin typeface="Consolas" panose="020B0609020204030204" pitchFamily="49" charset="0"/>
-              </a:rPr>
-              <a:t>app.delete</a:t>
-            </a:r>
-            <a:r>
               <a:rPr lang="en-US" sz="1600" dirty="0">
                 <a:latin typeface="Consolas" panose="020B0609020204030204" pitchFamily="49" charset="0"/>
               </a:rPr>
-              <a:t>('/deleteUser', function (req, res) </a:t>
-            </a:r>
-            <a:r>
-              <a:rPr lang="en-US" sz="1600" dirty="0" smtClean="0">
-                <a:latin typeface="Consolas" panose="020B0609020204030204" pitchFamily="49" charset="0"/>
-              </a:rPr>
-              <a:t>{  // </a:t>
-            </a:r>
+              <a:t>app.delete('/deleteUser', function (req, res) {  // First read existing users.</a:t>
+            </a:r>
+          </a:p>
+          <a:p>
+            <a:pPr marL="169863" indent="0">
+              <a:buNone/>
+            </a:pPr>
             <a:r>
               <a:rPr lang="en-US" sz="1600" dirty="0">
                 <a:latin typeface="Consolas" panose="020B0609020204030204" pitchFamily="49" charset="0"/>
               </a:rPr>
-              <a:t>First read existing users.</a:t>
+              <a:t>  fs.readFile( __dirname + "/" + "users.json", 'utf8', function (err, data) {</a:t>
             </a:r>
           </a:p>
           <a:p>
             <a:pPr marL="169863" indent="0">
               <a:buNone/>
             </a:pPr>
-            <a:r>
-              <a:rPr lang="en-US" sz="1600" dirty="0" smtClean="0">
-                <a:latin typeface="Consolas" panose="020B0609020204030204" pitchFamily="49" charset="0"/>
-              </a:rPr>
-              <a:t>  fs.readFile</a:t>
-            </a:r>
             <a:r>
               <a:rPr lang="en-US" sz="1600" dirty="0">
                 <a:latin typeface="Consolas" panose="020B0609020204030204" pitchFamily="49" charset="0"/>
               </a:rPr>
-              <a:t>( __dirname + "/" + "users.json", 'utf8', function (err, data) {</a:t>
+              <a:t>    data = JSON.parse( data );</a:t>
             </a:r>
           </a:p>
           <a:p>
             <a:pPr marL="169863" indent="0">
               <a:buNone/>
             </a:pPr>
-            <a:r>
-              <a:rPr lang="en-US" sz="1600" dirty="0" smtClean="0">
-                <a:latin typeface="Consolas" panose="020B0609020204030204" pitchFamily="49" charset="0"/>
-              </a:rPr>
-              <a:t>    data </a:t>
-            </a:r>
             <a:r>
               <a:rPr lang="en-US" sz="1600" dirty="0">
                 <a:latin typeface="Consolas" panose="020B0609020204030204" pitchFamily="49" charset="0"/>
               </a:rPr>
-              <a:t>= JSON.parse( data );</a:t>
+              <a:t>    delete data["user" + 2];</a:t>
             </a:r>
           </a:p>
           <a:p>
             <a:pPr marL="169863" indent="0">
               <a:buNone/>
             </a:pPr>
-            <a:r>
-              <a:rPr lang="en-US" sz="1600" dirty="0" smtClean="0">
-                <a:latin typeface="Consolas" panose="020B0609020204030204" pitchFamily="49" charset="0"/>
-              </a:rPr>
-              <a:t>    delete </a:t>
-            </a:r>
             <a:r>
               <a:rPr lang="en-US" sz="1600" dirty="0">
                 <a:latin typeface="Consolas" panose="020B0609020204030204" pitchFamily="49" charset="0"/>
               </a:rPr>
-              <a:t>data["user" + 2];</a:t>
+              <a:t>    console.log( data );</a:t>
             </a:r>
           </a:p>
           <a:p>
             <a:pPr marL="169863" indent="0">
               <a:buNone/>
             </a:pPr>
-            <a:r>
-              <a:rPr lang="en-US" sz="1600" dirty="0" smtClean="0">
-                <a:latin typeface="Consolas" panose="020B0609020204030204" pitchFamily="49" charset="0"/>
-              </a:rPr>
-              <a:t>    console.log</a:t>
-            </a:r>
             <a:r>
               <a:rPr lang="en-US" sz="1600" dirty="0">
                 <a:latin typeface="Consolas" panose="020B0609020204030204" pitchFamily="49" charset="0"/>
               </a:rPr>
-              <a:t>( data );</a:t>
+              <a:t>    res.end( JSON.stringify(data));</a:t>
             </a:r>
           </a:p>
           <a:p>
             <a:pPr marL="169863" indent="0">
               <a:buNone/>
             </a:pPr>
-            <a:r>
-              <a:rPr lang="en-US" sz="1600" dirty="0" smtClean="0">
-                <a:latin typeface="Consolas" panose="020B0609020204030204" pitchFamily="49" charset="0"/>
-              </a:rPr>
-              <a:t>    res.end</a:t>
-            </a:r>
             <a:r>
               <a:rPr lang="en-US" sz="1600" dirty="0">
                 <a:latin typeface="Consolas" panose="020B0609020204030204" pitchFamily="49" charset="0"/>
               </a:rPr>
-              <a:t>( JSON.stringify(data));</a:t>
-            </a:r>
-          </a:p>
-          <a:p>
-            <a:pPr marL="169863" indent="0">
-              <a:buNone/>
-            </a:pPr>
-            <a:r>
-              <a:rPr lang="en-US" sz="1600" dirty="0" smtClean="0">
-                <a:latin typeface="Consolas" panose="020B0609020204030204" pitchFamily="49" charset="0"/>
-              </a:rPr>
               <a:t>  });</a:t>
             </a:r>
-            <a:endParaRPr lang="en-US" sz="1600" dirty="0">
-              <a:latin typeface="Consolas" panose="020B0609020204030204" pitchFamily="49" charset="0"/>
-            </a:endParaRPr>
           </a:p>
           <a:p>
             <a:pPr marL="169863" indent="0">
@@ -7864,13 +7246,6 @@
   <p:clrMapOvr>
     <a:masterClrMapping/>
   </p:clrMapOvr>
-  <p:timing>
-    <p:tnLst>
-      <p:par>
-        <p:cTn id="1" dur="indefinite" restart="never" nodeType="tmRoot"/>
-      </p:par>
-    </p:tnLst>
-  </p:timing>
 </p:sld>
 </file>
 
@@ -7896,7 +7271,7 @@
           <p:cNvPr id="2" name="Title 1">
             <a:extLst>
               <a:ext uri="{FF2B5EF4-FFF2-40B4-BE49-F238E27FC236}">
-                <a16:creationId xmlns="" xmlns:a16="http://schemas.microsoft.com/office/drawing/2014/main" id="{BDFAC13C-59B1-436E-B58F-C304E1C705CF}"/>
+                <a16:creationId xmlns:a16="http://schemas.microsoft.com/office/drawing/2014/main" id="{BDFAC13C-59B1-436E-B58F-C304E1C705CF}"/>
               </a:ext>
             </a:extLst>
           </p:cNvPr>
@@ -7925,11 +7300,7 @@
             </a:r>
             <a:r>
               <a:rPr lang="en-US" sz="2000" u="sng" dirty="0"/>
-              <a:t> </a:t>
-            </a:r>
-            <a:r>
-              <a:rPr lang="en-US" sz="2000" u="sng" dirty="0" smtClean="0"/>
-              <a:t>(server.js)</a:t>
+              <a:t> (server.js)</a:t>
             </a:r>
             <a:endParaRPr lang="en-US" u="sng" dirty="0"/>
           </a:p>
@@ -7940,7 +7311,7 @@
           <p:cNvPr id="3" name="Content Placeholder 2">
             <a:extLst>
               <a:ext uri="{FF2B5EF4-FFF2-40B4-BE49-F238E27FC236}">
-                <a16:creationId xmlns="" xmlns:a16="http://schemas.microsoft.com/office/drawing/2014/main" id="{844A3DC5-46BF-4BFF-8008-98FD467C4904}"/>
+                <a16:creationId xmlns:a16="http://schemas.microsoft.com/office/drawing/2014/main" id="{844A3DC5-46BF-4BFF-8008-98FD467C4904}"/>
               </a:ext>
             </a:extLst>
           </p:cNvPr>
@@ -7965,27 +7336,7 @@
           <a:p>
             <a:r>
               <a:rPr lang="en-US" sz="1800" dirty="0"/>
-              <a:t>Now try to access defined API using URL: http</a:t>
-            </a:r>
-            <a:r>
-              <a:rPr lang="en-US" sz="1800" dirty="0" smtClean="0"/>
-              <a:t>://localhost:8081/deleteUser </a:t>
-            </a:r>
-            <a:r>
-              <a:rPr lang="en-US" sz="1800" dirty="0"/>
-              <a:t>and </a:t>
-            </a:r>
-            <a:r>
-              <a:rPr lang="en-US" sz="1800" dirty="0" smtClean="0"/>
-              <a:t>this </a:t>
-            </a:r>
-            <a:r>
-              <a:rPr lang="en-US" sz="1800" dirty="0"/>
-              <a:t>should produce following </a:t>
-            </a:r>
-            <a:r>
-              <a:rPr lang="en-US" sz="1800" dirty="0" smtClean="0"/>
-              <a:t>result (user2 deleted):</a:t>
+              <a:t>Now try to access defined API using URL: http://localhost:8081/deleteUser and this should produce following result (user2 deleted):</a:t>
             </a:r>
           </a:p>
           <a:p>
@@ -8045,13 +7396,6 @@
   <p:clrMapOvr>
     <a:masterClrMapping/>
   </p:clrMapOvr>
-  <p:timing>
-    <p:tnLst>
-      <p:par>
-        <p:cTn id="1" dur="indefinite" restart="never" nodeType="tmRoot"/>
-      </p:par>
-    </p:tnLst>
-  </p:timing>
 </p:sld>
 </file>
 
@@ -8077,7 +7421,7 @@
           <p:cNvPr id="2" name="Title 1">
             <a:extLst>
               <a:ext uri="{FF2B5EF4-FFF2-40B4-BE49-F238E27FC236}">
-                <a16:creationId xmlns="" xmlns:a16="http://schemas.microsoft.com/office/drawing/2014/main" id="{BDFAC13C-59B1-436E-B58F-C304E1C705CF}"/>
+                <a16:creationId xmlns:a16="http://schemas.microsoft.com/office/drawing/2014/main" id="{BDFAC13C-59B1-436E-B58F-C304E1C705CF}"/>
               </a:ext>
             </a:extLst>
           </p:cNvPr>
@@ -8101,10 +7445,9 @@
           <a:lstStyle/>
           <a:p>
             <a:r>
-              <a:rPr lang="en-US" u="sng" dirty="0" smtClean="0"/>
+              <a:rPr lang="en-US" u="sng" dirty="0"/>
               <a:t>AJAX and Fetch API</a:t>
             </a:r>
-            <a:endParaRPr lang="en-US" u="sng" dirty="0"/>
           </a:p>
         </p:txBody>
       </p:sp>
@@ -8113,7 +7456,7 @@
           <p:cNvPr id="3" name="Content Placeholder 2">
             <a:extLst>
               <a:ext uri="{FF2B5EF4-FFF2-40B4-BE49-F238E27FC236}">
-                <a16:creationId xmlns="" xmlns:a16="http://schemas.microsoft.com/office/drawing/2014/main" id="{844A3DC5-46BF-4BFF-8008-98FD467C4904}"/>
+                <a16:creationId xmlns:a16="http://schemas.microsoft.com/office/drawing/2014/main" id="{844A3DC5-46BF-4BFF-8008-98FD467C4904}"/>
               </a:ext>
             </a:extLst>
           </p:cNvPr>
@@ -8137,28 +7480,15 @@
           <a:lstStyle/>
           <a:p>
             <a:r>
-              <a:rPr lang="en-US" sz="1800" dirty="0" smtClean="0"/>
-              <a:t>After a </a:t>
-            </a:r>
-            <a:r>
               <a:rPr lang="en-US" sz="1800" dirty="0"/>
-              <a:t>website is loaded we often need to save something to the server or get new data from it. For that we don’t want to always reload the page so we need something to connect to a server, an API, through JavaScript. That’s what AJAX is </a:t>
-            </a:r>
-            <a:r>
-              <a:rPr lang="en-US" sz="1800" dirty="0" smtClean="0"/>
-              <a:t>for</a:t>
+              <a:t>After a website is loaded we often need to save something to the server or get new data from it. For that we don’t want to always reload the page so we need something to connect to a server, an API, through JavaScript. That’s what AJAX is for</a:t>
             </a:r>
           </a:p>
           <a:p>
             <a:r>
               <a:rPr lang="en-US" sz="1800" dirty="0"/>
-              <a:t>AJAX stands for Asynchronous JavaScript And XML. AJ represents that code is executed asynchronously, and XML distributes data over the internet through browsers. The term AJAX is a bit outdated, as </a:t>
-            </a:r>
-            <a:r>
-              <a:rPr lang="en-US" sz="1800" dirty="0" smtClean="0"/>
-              <a:t>JSON has pretty much replaced XML</a:t>
-            </a:r>
-            <a:endParaRPr lang="en-US" sz="1800" dirty="0"/>
+              <a:t>AJAX stands for Asynchronous JavaScript And XML. AJ represents that code is executed asynchronously, and XML distributes data over the internet through browsers. The term AJAX is a bit outdated, as JSON has pretty much replaced XML</a:t>
+            </a:r>
           </a:p>
         </p:txBody>
       </p:sp>
@@ -8236,13 +7566,6 @@
   <p:clrMapOvr>
     <a:masterClrMapping/>
   </p:clrMapOvr>
-  <p:timing>
-    <p:tnLst>
-      <p:par>
-        <p:cTn id="1" dur="indefinite" restart="never" nodeType="tmRoot"/>
-      </p:par>
-    </p:tnLst>
-  </p:timing>
 </p:sld>
 </file>
 
@@ -8268,7 +7591,7 @@
           <p:cNvPr id="2" name="Title 1">
             <a:extLst>
               <a:ext uri="{FF2B5EF4-FFF2-40B4-BE49-F238E27FC236}">
-                <a16:creationId xmlns="" xmlns:a16="http://schemas.microsoft.com/office/drawing/2014/main" id="{BDFAC13C-59B1-436E-B58F-C304E1C705CF}"/>
+                <a16:creationId xmlns:a16="http://schemas.microsoft.com/office/drawing/2014/main" id="{BDFAC13C-59B1-436E-B58F-C304E1C705CF}"/>
               </a:ext>
             </a:extLst>
           </p:cNvPr>
@@ -8292,10 +7615,9 @@
           <a:lstStyle/>
           <a:p>
             <a:r>
-              <a:rPr lang="en-US" u="sng" dirty="0" smtClean="0"/>
+              <a:rPr lang="en-US" u="sng" dirty="0"/>
               <a:t>AJAX and Fetch API</a:t>
             </a:r>
-            <a:endParaRPr lang="en-US" u="sng" dirty="0"/>
           </a:p>
         </p:txBody>
       </p:sp>
@@ -8304,7 +7626,7 @@
           <p:cNvPr id="3" name="Content Placeholder 2">
             <a:extLst>
               <a:ext uri="{FF2B5EF4-FFF2-40B4-BE49-F238E27FC236}">
-                <a16:creationId xmlns="" xmlns:a16="http://schemas.microsoft.com/office/drawing/2014/main" id="{844A3DC5-46BF-4BFF-8008-98FD467C4904}"/>
+                <a16:creationId xmlns:a16="http://schemas.microsoft.com/office/drawing/2014/main" id="{844A3DC5-46BF-4BFF-8008-98FD467C4904}"/>
               </a:ext>
             </a:extLst>
           </p:cNvPr>
@@ -8328,32 +7650,15 @@
           <a:lstStyle/>
           <a:p>
             <a:r>
-              <a:rPr lang="en-US" sz="1800" dirty="0" smtClean="0"/>
-              <a:t>The XMLHttpRequest </a:t>
-            </a:r>
-            <a:r>
               <a:rPr lang="en-US" sz="1800" dirty="0"/>
-              <a:t>API was the working standard for many years until other APIs were created to simplify the code </a:t>
-            </a:r>
-            <a:r>
-              <a:rPr lang="en-US" sz="1800" dirty="0" smtClean="0"/>
-              <a:t>confusion</a:t>
-            </a:r>
-          </a:p>
-          <a:p>
-            <a:r>
-              <a:rPr lang="en-US" sz="1800" dirty="0" smtClean="0"/>
-              <a:t>The </a:t>
-            </a:r>
+              <a:t>The XMLHttpRequest API was the working standard for many years until other APIs were created to simplify the code confusion</a:t>
+            </a:r>
+          </a:p>
+          <a:p>
             <a:r>
               <a:rPr lang="en-US" sz="1800" dirty="0"/>
-              <a:t>Fetch API provides a JavaScript interface for accessing and manipulating parts of the HTTP pipeline for requests and responses using promises. Fetch also provides a global fetch() method that logically and simply fetches resources asynchronously across the </a:t>
-            </a:r>
-            <a:r>
-              <a:rPr lang="en-US" sz="1800" dirty="0" smtClean="0"/>
-              <a:t>network</a:t>
-            </a:r>
-            <a:endParaRPr lang="en-US" sz="1800" dirty="0"/>
+              <a:t>The Fetch API provides a JavaScript interface for accessing and manipulating parts of the HTTP pipeline for requests and responses using promises. Fetch also provides a global fetch() method that logically and simply fetches resources asynchronously across the network</a:t>
+            </a:r>
           </a:p>
         </p:txBody>
       </p:sp>
@@ -8431,13 +7736,6 @@
   <p:clrMapOvr>
     <a:masterClrMapping/>
   </p:clrMapOvr>
-  <p:timing>
-    <p:tnLst>
-      <p:par>
-        <p:cTn id="1" dur="indefinite" restart="never" nodeType="tmRoot"/>
-      </p:par>
-    </p:tnLst>
-  </p:timing>
 </p:sld>
 </file>
 
@@ -8463,7 +7761,7 @@
           <p:cNvPr id="2" name="Title 1">
             <a:extLst>
               <a:ext uri="{FF2B5EF4-FFF2-40B4-BE49-F238E27FC236}">
-                <a16:creationId xmlns="" xmlns:a16="http://schemas.microsoft.com/office/drawing/2014/main" id="{BDFAC13C-59B1-436E-B58F-C304E1C705CF}"/>
+                <a16:creationId xmlns:a16="http://schemas.microsoft.com/office/drawing/2014/main" id="{BDFAC13C-59B1-436E-B58F-C304E1C705CF}"/>
               </a:ext>
             </a:extLst>
           </p:cNvPr>
@@ -8487,14 +7785,13 @@
           <a:lstStyle/>
           <a:p>
             <a:r>
-              <a:rPr lang="en-US" u="sng" dirty="0" smtClean="0"/>
+              <a:rPr lang="en-US" u="sng" dirty="0"/>
               <a:t>AJAX and Fetch API </a:t>
             </a:r>
             <a:r>
-              <a:rPr lang="en-US" sz="2000" u="sng" dirty="0" smtClean="0"/>
+              <a:rPr lang="en-US" sz="2000" u="sng" dirty="0"/>
               <a:t>(using XMLHttpRequest)</a:t>
             </a:r>
-            <a:endParaRPr lang="en-US" sz="2000" u="sng" dirty="0"/>
           </a:p>
         </p:txBody>
       </p:sp>
@@ -8503,7 +7800,7 @@
           <p:cNvPr id="3" name="Content Placeholder 2">
             <a:extLst>
               <a:ext uri="{FF2B5EF4-FFF2-40B4-BE49-F238E27FC236}">
-                <a16:creationId xmlns="" xmlns:a16="http://schemas.microsoft.com/office/drawing/2014/main" id="{844A3DC5-46BF-4BFF-8008-98FD467C4904}"/>
+                <a16:creationId xmlns:a16="http://schemas.microsoft.com/office/drawing/2014/main" id="{844A3DC5-46BF-4BFF-8008-98FD467C4904}"/>
               </a:ext>
             </a:extLst>
           </p:cNvPr>
@@ -8541,33 +7838,21 @@
               <a:buNone/>
             </a:pPr>
             <a:r>
-              <a:rPr lang="en-US" sz="1200" dirty="0" smtClean="0">
-                <a:latin typeface="Consolas" panose="020B0609020204030204" pitchFamily="49" charset="0"/>
-              </a:rPr>
-              <a:t>  var </a:t>
-            </a:r>
-            <a:r>
               <a:rPr lang="en-US" sz="1200" dirty="0">
                 <a:latin typeface="Consolas" panose="020B0609020204030204" pitchFamily="49" charset="0"/>
               </a:rPr>
-              <a:t>data = JSON.parse(this.responseText);</a:t>
+              <a:t>  var data = JSON.parse(this.responseText);</a:t>
             </a:r>
           </a:p>
           <a:p>
             <a:pPr marL="0" indent="0">
               <a:buNone/>
             </a:pPr>
-            <a:r>
-              <a:rPr lang="en-US" sz="1200" dirty="0" smtClean="0">
-                <a:latin typeface="Consolas" panose="020B0609020204030204" pitchFamily="49" charset="0"/>
-              </a:rPr>
-              <a:t>  console.log(data</a:t>
-            </a:r>
             <a:r>
               <a:rPr lang="en-US" sz="1200" dirty="0">
                 <a:latin typeface="Consolas" panose="020B0609020204030204" pitchFamily="49" charset="0"/>
               </a:rPr>
-              <a:t>);</a:t>
+              <a:t>  console.log(data);</a:t>
             </a:r>
           </a:p>
           <a:p>
@@ -8575,14 +7860,11 @@
               <a:buNone/>
             </a:pPr>
             <a:r>
-              <a:rPr lang="en-US" sz="1200" dirty="0" smtClean="0">
+              <a:rPr lang="en-US" sz="1200" dirty="0">
                 <a:latin typeface="Consolas" panose="020B0609020204030204" pitchFamily="49" charset="0"/>
               </a:rPr>
               <a:t>}</a:t>
             </a:r>
-            <a:endParaRPr lang="en-US" sz="1200" dirty="0">
-              <a:latin typeface="Consolas" panose="020B0609020204030204" pitchFamily="49" charset="0"/>
-            </a:endParaRPr>
           </a:p>
           <a:p>
             <a:pPr marL="0" indent="0">
@@ -8600,16 +7882,10 @@
               <a:buNone/>
             </a:pPr>
             <a:r>
-              <a:rPr lang="en-US" sz="1200" dirty="0" smtClean="0">
-                <a:latin typeface="Consolas" panose="020B0609020204030204" pitchFamily="49" charset="0"/>
-              </a:rPr>
-              <a:t>  console.log</a:t>
-            </a:r>
-            <a:r>
               <a:rPr lang="en-US" sz="1200" dirty="0">
                 <a:latin typeface="Consolas" panose="020B0609020204030204" pitchFamily="49" charset="0"/>
               </a:rPr>
-              <a:t>('We have an issue', error);</a:t>
+              <a:t>  console.log('We have an issue', error);</a:t>
             </a:r>
           </a:p>
           <a:p>
@@ -8628,84 +7904,54 @@
               <a:buNone/>
             </a:pPr>
             <a:r>
-              <a:rPr lang="en-US" sz="1200" dirty="0" smtClean="0">
-                <a:latin typeface="Consolas" panose="020B0609020204030204" pitchFamily="49" charset="0"/>
-              </a:rPr>
-              <a:t>var </a:t>
-            </a:r>
-            <a:r>
               <a:rPr lang="en-US" sz="1200" dirty="0">
                 <a:latin typeface="Consolas" panose="020B0609020204030204" pitchFamily="49" charset="0"/>
               </a:rPr>
-              <a:t>request = new XMLHttpRequest();</a:t>
+              <a:t>var request = new XMLHttpRequest();</a:t>
             </a:r>
           </a:p>
           <a:p>
             <a:pPr marL="0" indent="0">
               <a:buNone/>
             </a:pPr>
-            <a:r>
-              <a:rPr lang="en-US" sz="1200" dirty="0" smtClean="0">
-                <a:latin typeface="Consolas" panose="020B0609020204030204" pitchFamily="49" charset="0"/>
-              </a:rPr>
-              <a:t>  request.onload </a:t>
-            </a:r>
             <a:r>
               <a:rPr lang="en-US" sz="1200" dirty="0">
                 <a:latin typeface="Consolas" panose="020B0609020204030204" pitchFamily="49" charset="0"/>
               </a:rPr>
-              <a:t>= requestListener;</a:t>
+              <a:t>  request.onload = requestListener;</a:t>
             </a:r>
           </a:p>
           <a:p>
             <a:pPr marL="0" indent="0">
               <a:buNone/>
             </a:pPr>
-            <a:r>
-              <a:rPr lang="en-US" sz="1200" dirty="0" smtClean="0">
-                <a:latin typeface="Consolas" panose="020B0609020204030204" pitchFamily="49" charset="0"/>
-              </a:rPr>
-              <a:t>  request.onerror </a:t>
-            </a:r>
             <a:r>
               <a:rPr lang="en-US" sz="1200" dirty="0">
                 <a:latin typeface="Consolas" panose="020B0609020204030204" pitchFamily="49" charset="0"/>
               </a:rPr>
-              <a:t>= requestError;</a:t>
+              <a:t>  request.onerror = requestError;</a:t>
             </a:r>
           </a:p>
           <a:p>
             <a:pPr marL="0" indent="0">
               <a:buNone/>
             </a:pPr>
-            <a:r>
-              <a:rPr lang="en-US" sz="1200" dirty="0" smtClean="0">
-                <a:latin typeface="Consolas" panose="020B0609020204030204" pitchFamily="49" charset="0"/>
-              </a:rPr>
-              <a:t>  request.open</a:t>
-            </a:r>
             <a:r>
               <a:rPr lang="en-US" sz="1200" dirty="0">
                 <a:latin typeface="Consolas" panose="020B0609020204030204" pitchFamily="49" charset="0"/>
               </a:rPr>
-              <a:t>('get', 'url', true);</a:t>
+              <a:t>  request.open('get', 'url', true);</a:t>
             </a:r>
           </a:p>
           <a:p>
             <a:pPr marL="0" indent="0">
               <a:buNone/>
             </a:pPr>
-            <a:r>
-              <a:rPr lang="en-US" sz="1200" dirty="0" smtClean="0">
-                <a:latin typeface="Consolas" panose="020B0609020204030204" pitchFamily="49" charset="0"/>
-              </a:rPr>
-              <a:t>  request.send</a:t>
-            </a:r>
             <a:r>
               <a:rPr lang="en-US" sz="1200" dirty="0">
                 <a:latin typeface="Consolas" panose="020B0609020204030204" pitchFamily="49" charset="0"/>
               </a:rPr>
-              <a:t>();.</a:t>
+              <a:t>  request.send();.</a:t>
             </a:r>
           </a:p>
         </p:txBody>
@@ -8755,10 +8001,9 @@
           <a:lstStyle/>
           <a:p>
             <a:r>
-              <a:rPr lang="en-US" b="1" dirty="0" smtClean="0"/>
+              <a:rPr lang="en-US" b="1" dirty="0"/>
               <a:t>Source</a:t>
             </a:r>
-            <a:endParaRPr lang="en-US" b="1" dirty="0"/>
           </a:p>
           <a:p>
             <a:r>
@@ -8785,13 +8030,6 @@
   <p:clrMapOvr>
     <a:masterClrMapping/>
   </p:clrMapOvr>
-  <p:timing>
-    <p:tnLst>
-      <p:par>
-        <p:cTn id="1" dur="indefinite" restart="never" nodeType="tmRoot"/>
-      </p:par>
-    </p:tnLst>
-  </p:timing>
 </p:sld>
 </file>
 
@@ -8817,7 +8055,7 @@
           <p:cNvPr id="2" name="Title 1">
             <a:extLst>
               <a:ext uri="{FF2B5EF4-FFF2-40B4-BE49-F238E27FC236}">
-                <a16:creationId xmlns="" xmlns:a16="http://schemas.microsoft.com/office/drawing/2014/main" id="{BDFAC13C-59B1-436E-B58F-C304E1C705CF}"/>
+                <a16:creationId xmlns:a16="http://schemas.microsoft.com/office/drawing/2014/main" id="{BDFAC13C-59B1-436E-B58F-C304E1C705CF}"/>
               </a:ext>
             </a:extLst>
           </p:cNvPr>
@@ -8841,14 +8079,13 @@
           <a:lstStyle/>
           <a:p>
             <a:r>
-              <a:rPr lang="en-US" u="sng" dirty="0" smtClean="0"/>
+              <a:rPr lang="en-US" u="sng" dirty="0"/>
               <a:t>AJAX and Fetch API </a:t>
             </a:r>
             <a:r>
-              <a:rPr lang="en-US" sz="2000" u="sng" dirty="0" smtClean="0"/>
+              <a:rPr lang="en-US" sz="2000" u="sng" dirty="0"/>
               <a:t>(using XMLHttpRequest)</a:t>
             </a:r>
-            <a:endParaRPr lang="en-US" sz="2000" u="sng" dirty="0"/>
           </a:p>
         </p:txBody>
       </p:sp>
@@ -8857,7 +8094,7 @@
           <p:cNvPr id="3" name="Content Placeholder 2">
             <a:extLst>
               <a:ext uri="{FF2B5EF4-FFF2-40B4-BE49-F238E27FC236}">
-                <a16:creationId xmlns="" xmlns:a16="http://schemas.microsoft.com/office/drawing/2014/main" id="{844A3DC5-46BF-4BFF-8008-98FD467C4904}"/>
+                <a16:creationId xmlns:a16="http://schemas.microsoft.com/office/drawing/2014/main" id="{844A3DC5-46BF-4BFF-8008-98FD467C4904}"/>
               </a:ext>
             </a:extLst>
           </p:cNvPr>
@@ -8881,7 +8118,7 @@
           <a:lstStyle/>
           <a:p>
             <a:r>
-              <a:rPr lang="en-US" sz="1800" dirty="0" smtClean="0"/>
+              <a:rPr lang="en-US" sz="1800" dirty="0"/>
               <a:t>The same example as on the last page, but done with fetch:</a:t>
             </a:r>
           </a:p>
@@ -8889,17 +8126,11 @@
             <a:pPr marL="0" indent="0">
               <a:buNone/>
             </a:pPr>
-            <a:r>
-              <a:rPr lang="en-US" sz="1400" dirty="0" smtClean="0">
-                <a:latin typeface="Consolas" panose="020B0609020204030204" pitchFamily="49" charset="0"/>
-              </a:rPr>
-              <a:t>fetch(url</a:t>
-            </a:r>
             <a:r>
               <a:rPr lang="en-US" sz="1400" dirty="0">
                 <a:latin typeface="Consolas" panose="020B0609020204030204" pitchFamily="49" charset="0"/>
               </a:rPr>
-              <a:t>)</a:t>
+              <a:t>fetch(url)</a:t>
             </a:r>
           </a:p>
           <a:p>
@@ -9052,13 +8283,6 @@
   <p:clrMapOvr>
     <a:masterClrMapping/>
   </p:clrMapOvr>
-  <p:timing>
-    <p:tnLst>
-      <p:par>
-        <p:cTn id="1" dur="indefinite" restart="never" nodeType="tmRoot"/>
-      </p:par>
-    </p:tnLst>
-  </p:timing>
 </p:sld>
 </file>
 
@@ -9084,7 +8308,7 @@
           <p:cNvPr id="2" name="Title 1">
             <a:extLst>
               <a:ext uri="{FF2B5EF4-FFF2-40B4-BE49-F238E27FC236}">
-                <a16:creationId xmlns="" xmlns:a16="http://schemas.microsoft.com/office/drawing/2014/main" id="{BDFAC13C-59B1-436E-B58F-C304E1C705CF}"/>
+                <a16:creationId xmlns:a16="http://schemas.microsoft.com/office/drawing/2014/main" id="{BDFAC13C-59B1-436E-B58F-C304E1C705CF}"/>
               </a:ext>
             </a:extLst>
           </p:cNvPr>
@@ -9108,14 +8332,13 @@
           <a:lstStyle/>
           <a:p>
             <a:r>
-              <a:rPr lang="en-US" u="sng" dirty="0" smtClean="0"/>
+              <a:rPr lang="en-US" u="sng" dirty="0"/>
               <a:t>AJAX and Fetch API </a:t>
             </a:r>
             <a:r>
-              <a:rPr lang="en-US" sz="2000" u="sng" dirty="0" smtClean="0"/>
+              <a:rPr lang="en-US" sz="2000" u="sng" dirty="0"/>
               <a:t>(using XMLHttpRequest)</a:t>
             </a:r>
-            <a:endParaRPr lang="en-US" sz="2000" u="sng" dirty="0"/>
           </a:p>
         </p:txBody>
       </p:sp>
@@ -9124,7 +8347,7 @@
           <p:cNvPr id="3" name="Content Placeholder 2">
             <a:extLst>
               <a:ext uri="{FF2B5EF4-FFF2-40B4-BE49-F238E27FC236}">
-                <a16:creationId xmlns="" xmlns:a16="http://schemas.microsoft.com/office/drawing/2014/main" id="{844A3DC5-46BF-4BFF-8008-98FD467C4904}"/>
+                <a16:creationId xmlns:a16="http://schemas.microsoft.com/office/drawing/2014/main" id="{844A3DC5-46BF-4BFF-8008-98FD467C4904}"/>
               </a:ext>
             </a:extLst>
           </p:cNvPr>
@@ -9184,12 +8407,8 @@
               <a:buNone/>
             </a:pPr>
             <a:r>
-              <a:rPr lang="en-US" sz="1800" dirty="0" smtClean="0"/>
-              <a:t>formData</a:t>
-            </a:r>
-            <a:r>
               <a:rPr lang="en-US" sz="1800" dirty="0"/>
-              <a:t>(): returns a promise that resolves with a form data object</a:t>
+              <a:t>formData(): returns a promise that resolves with a form data object</a:t>
             </a:r>
           </a:p>
         </p:txBody>
@@ -9268,13 +8487,6 @@
   <p:clrMapOvr>
     <a:masterClrMapping/>
   </p:clrMapOvr>
-  <p:timing>
-    <p:tnLst>
-      <p:par>
-        <p:cTn id="1" dur="indefinite" restart="never" nodeType="tmRoot"/>
-      </p:par>
-    </p:tnLst>
-  </p:timing>
 </p:sld>
 </file>
 
@@ -9300,7 +8512,7 @@
           <p:cNvPr id="2" name="Title 1">
             <a:extLst>
               <a:ext uri="{FF2B5EF4-FFF2-40B4-BE49-F238E27FC236}">
-                <a16:creationId xmlns="" xmlns:a16="http://schemas.microsoft.com/office/drawing/2014/main" id="{BDFAC13C-59B1-436E-B58F-C304E1C705CF}"/>
+                <a16:creationId xmlns:a16="http://schemas.microsoft.com/office/drawing/2014/main" id="{BDFAC13C-59B1-436E-B58F-C304E1C705CF}"/>
               </a:ext>
             </a:extLst>
           </p:cNvPr>
@@ -9324,14 +8536,13 @@
           <a:lstStyle/>
           <a:p>
             <a:r>
-              <a:rPr lang="en-US" u="sng" dirty="0" smtClean="0"/>
+              <a:rPr lang="en-US" u="sng" dirty="0"/>
               <a:t>AJAX and Fetch API </a:t>
             </a:r>
             <a:r>
-              <a:rPr lang="en-US" sz="2000" u="sng" dirty="0" smtClean="0"/>
+              <a:rPr lang="en-US" sz="2000" u="sng" dirty="0"/>
               <a:t>(using XMLHttpRequest)</a:t>
             </a:r>
-            <a:endParaRPr lang="en-US" sz="2000" u="sng" dirty="0"/>
           </a:p>
         </p:txBody>
       </p:sp>
@@ -9340,7 +8551,7 @@
           <p:cNvPr id="3" name="Content Placeholder 2">
             <a:extLst>
               <a:ext uri="{FF2B5EF4-FFF2-40B4-BE49-F238E27FC236}">
-                <a16:creationId xmlns="" xmlns:a16="http://schemas.microsoft.com/office/drawing/2014/main" id="{844A3DC5-46BF-4BFF-8008-98FD467C4904}"/>
+                <a16:creationId xmlns:a16="http://schemas.microsoft.com/office/drawing/2014/main" id="{844A3DC5-46BF-4BFF-8008-98FD467C4904}"/>
               </a:ext>
             </a:extLst>
           </p:cNvPr>
@@ -9471,13 +8682,6 @@
   <p:clrMapOvr>
     <a:masterClrMapping/>
   </p:clrMapOvr>
-  <p:timing>
-    <p:tnLst>
-      <p:par>
-        <p:cTn id="1" dur="indefinite" restart="never" nodeType="tmRoot"/>
-      </p:par>
-    </p:tnLst>
-  </p:timing>
 </p:sld>
 </file>
 
@@ -9503,7 +8707,7 @@
           <p:cNvPr id="2" name="Title 1">
             <a:extLst>
               <a:ext uri="{FF2B5EF4-FFF2-40B4-BE49-F238E27FC236}">
-                <a16:creationId xmlns="" xmlns:a16="http://schemas.microsoft.com/office/drawing/2014/main" id="{BDFAC13C-59B1-436E-B58F-C304E1C705CF}"/>
+                <a16:creationId xmlns:a16="http://schemas.microsoft.com/office/drawing/2014/main" id="{BDFAC13C-59B1-436E-B58F-C304E1C705CF}"/>
               </a:ext>
             </a:extLst>
           </p:cNvPr>
@@ -9527,10 +8731,9 @@
           <a:lstStyle/>
           <a:p>
             <a:r>
-              <a:rPr lang="en-US" u="sng" dirty="0" smtClean="0"/>
+              <a:rPr lang="en-US" u="sng" dirty="0"/>
               <a:t>REST Defined</a:t>
             </a:r>
-            <a:endParaRPr lang="en-US" u="sng" dirty="0"/>
           </a:p>
         </p:txBody>
       </p:sp>
@@ -9539,7 +8742,7 @@
           <p:cNvPr id="3" name="Content Placeholder 2">
             <a:extLst>
               <a:ext uri="{FF2B5EF4-FFF2-40B4-BE49-F238E27FC236}">
-                <a16:creationId xmlns="" xmlns:a16="http://schemas.microsoft.com/office/drawing/2014/main" id="{844A3DC5-46BF-4BFF-8008-98FD467C4904}"/>
+                <a16:creationId xmlns:a16="http://schemas.microsoft.com/office/drawing/2014/main" id="{844A3DC5-46BF-4BFF-8008-98FD467C4904}"/>
               </a:ext>
             </a:extLst>
           </p:cNvPr>
@@ -9564,27 +8767,14 @@
           <a:p>
             <a:r>
               <a:rPr lang="en-US" sz="1800" dirty="0"/>
-              <a:t>Representational state transfer (REST) is a software architectural style that defines a set of constraints to be used for creating Web </a:t>
-            </a:r>
-            <a:r>
-              <a:rPr lang="en-US" sz="1800" dirty="0" smtClean="0"/>
-              <a:t>services</a:t>
-            </a:r>
-          </a:p>
-          <a:p>
-            <a:r>
-              <a:rPr lang="en-US" sz="1800" dirty="0" smtClean="0"/>
-              <a:t>Web </a:t>
-            </a:r>
+              <a:t>Representational state transfer (REST) is a software architectural style that defines a set of constraints to be used for creating Web services</a:t>
+            </a:r>
+          </a:p>
+          <a:p>
             <a:r>
               <a:rPr lang="en-US" sz="1800" dirty="0"/>
-              <a:t>services that conform to the REST architectural style, called RESTful Web services, provide interoperability between computer systems on the Internet. RESTful Web services allow the requesting systems to access and manipulate textual representations of Web resources by using a uniform and predefined set of stateless </a:t>
-            </a:r>
-            <a:r>
-              <a:rPr lang="en-US" sz="1800" dirty="0" smtClean="0"/>
-              <a:t>operations</a:t>
-            </a:r>
-            <a:endParaRPr lang="en-US" sz="1800" dirty="0"/>
+              <a:t>Web services that conform to the REST architectural style, called RESTful Web services, provide interoperability between computer systems on the Internet. RESTful Web services allow the requesting systems to access and manipulate textual representations of Web resources by using a uniform and predefined set of stateless operations</a:t>
+            </a:r>
           </a:p>
         </p:txBody>
       </p:sp>
@@ -9593,7 +8783,7 @@
           <p:cNvPr id="4" name="Rectangle 3">
             <a:extLst>
               <a:ext uri="{FF2B5EF4-FFF2-40B4-BE49-F238E27FC236}">
-                <a16:creationId xmlns="" xmlns:a16="http://schemas.microsoft.com/office/drawing/2014/main" id="{0C71533A-4A29-47E2-A4D4-85E44356516A}"/>
+                <a16:creationId xmlns:a16="http://schemas.microsoft.com/office/drawing/2014/main" id="{0C71533A-4A29-47E2-A4D4-85E44356516A}"/>
               </a:ext>
             </a:extLst>
           </p:cNvPr>
@@ -9668,13 +8858,6 @@
   <p:clrMapOvr>
     <a:masterClrMapping/>
   </p:clrMapOvr>
-  <p:timing>
-    <p:tnLst>
-      <p:par>
-        <p:cTn id="1" dur="indefinite" restart="never" nodeType="tmRoot"/>
-      </p:par>
-    </p:tnLst>
-  </p:timing>
 </p:sld>
 </file>
 
@@ -9700,7 +8883,7 @@
           <p:cNvPr id="2" name="Title 1">
             <a:extLst>
               <a:ext uri="{FF2B5EF4-FFF2-40B4-BE49-F238E27FC236}">
-                <a16:creationId xmlns="" xmlns:a16="http://schemas.microsoft.com/office/drawing/2014/main" id="{BDFAC13C-59B1-436E-B58F-C304E1C705CF}"/>
+                <a16:creationId xmlns:a16="http://schemas.microsoft.com/office/drawing/2014/main" id="{BDFAC13C-59B1-436E-B58F-C304E1C705CF}"/>
               </a:ext>
             </a:extLst>
           </p:cNvPr>
@@ -9724,18 +8907,9 @@
           <a:lstStyle/>
           <a:p>
             <a:r>
-              <a:rPr lang="en-US" u="sng" dirty="0" smtClean="0"/>
-              <a:t>What </a:t>
-            </a:r>
-            <a:r>
               <a:rPr lang="en-US" u="sng" dirty="0"/>
-              <a:t>We've </a:t>
-            </a:r>
-            <a:r>
-              <a:rPr lang="en-US" u="sng" dirty="0" smtClean="0"/>
-              <a:t>Covered</a:t>
-            </a:r>
-            <a:endParaRPr lang="en-US" u="sng" dirty="0"/>
+              <a:t>What We've Covered</a:t>
+            </a:r>
           </a:p>
         </p:txBody>
       </p:sp>
@@ -9744,7 +8918,7 @@
           <p:cNvPr id="3" name="Content Placeholder 2">
             <a:extLst>
               <a:ext uri="{FF2B5EF4-FFF2-40B4-BE49-F238E27FC236}">
-                <a16:creationId xmlns="" xmlns:a16="http://schemas.microsoft.com/office/drawing/2014/main" id="{844A3DC5-46BF-4BFF-8008-98FD467C4904}"/>
+                <a16:creationId xmlns:a16="http://schemas.microsoft.com/office/drawing/2014/main" id="{844A3DC5-46BF-4BFF-8008-98FD467C4904}"/>
               </a:ext>
             </a:extLst>
           </p:cNvPr>
@@ -9768,25 +8942,16 @@
           <a:lstStyle/>
           <a:p>
             <a:r>
-              <a:rPr lang="en-US" sz="1800" dirty="0" smtClean="0"/>
-              <a:t>Node.js </a:t>
-            </a:r>
-            <a:r>
               <a:rPr lang="en-US" sz="1800" dirty="0"/>
-              <a:t>Restful APIs</a:t>
+              <a:t>Node.js Restful APIs</a:t>
             </a:r>
           </a:p>
           <a:p>
             <a:pPr lvl="0"/>
             <a:r>
-              <a:rPr lang="en-US" sz="1800" dirty="0" smtClean="0"/>
-              <a:t>Node.js </a:t>
-            </a:r>
-            <a:r>
               <a:rPr lang="en-US" sz="1800" dirty="0"/>
-              <a:t>AJAX w/ jQuery or Fetch API</a:t>
-            </a:r>
-            <a:endParaRPr lang="en-US" sz="1800" dirty="0"/>
+              <a:t>Node.js AJAX w/ jQuery or Fetch API</a:t>
+            </a:r>
           </a:p>
         </p:txBody>
       </p:sp>
@@ -9823,13 +8988,6 @@
   <p:clrMapOvr>
     <a:masterClrMapping/>
   </p:clrMapOvr>
-  <p:timing>
-    <p:tnLst>
-      <p:par>
-        <p:cTn id="1" dur="indefinite" restart="never" nodeType="tmRoot"/>
-      </p:par>
-    </p:tnLst>
-  </p:timing>
 </p:sld>
 </file>
 
@@ -9855,7 +9013,7 @@
           <p:cNvPr id="2" name="Title 1">
             <a:extLst>
               <a:ext uri="{FF2B5EF4-FFF2-40B4-BE49-F238E27FC236}">
-                <a16:creationId xmlns="" xmlns:a16="http://schemas.microsoft.com/office/drawing/2014/main" id="{BDFAC13C-59B1-436E-B58F-C304E1C705CF}"/>
+                <a16:creationId xmlns:a16="http://schemas.microsoft.com/office/drawing/2014/main" id="{BDFAC13C-59B1-436E-B58F-C304E1C705CF}"/>
               </a:ext>
             </a:extLst>
           </p:cNvPr>
@@ -9879,10 +9037,9 @@
           <a:lstStyle/>
           <a:p>
             <a:r>
-              <a:rPr lang="en-US" u="sng" dirty="0" smtClean="0"/>
+              <a:rPr lang="en-US" u="sng" dirty="0"/>
               <a:t>API Defined</a:t>
             </a:r>
-            <a:endParaRPr lang="en-US" u="sng" dirty="0"/>
           </a:p>
         </p:txBody>
       </p:sp>
@@ -9891,7 +9048,7 @@
           <p:cNvPr id="3" name="Content Placeholder 2">
             <a:extLst>
               <a:ext uri="{FF2B5EF4-FFF2-40B4-BE49-F238E27FC236}">
-                <a16:creationId xmlns="" xmlns:a16="http://schemas.microsoft.com/office/drawing/2014/main" id="{844A3DC5-46BF-4BFF-8008-98FD467C4904}"/>
+                <a16:creationId xmlns:a16="http://schemas.microsoft.com/office/drawing/2014/main" id="{844A3DC5-46BF-4BFF-8008-98FD467C4904}"/>
               </a:ext>
             </a:extLst>
           </p:cNvPr>
@@ -9916,21 +9073,8 @@
           <a:p>
             <a:r>
               <a:rPr lang="en-US" sz="1800" dirty="0"/>
-              <a:t>An application programming interface (API) is a computing interface </a:t>
-            </a:r>
-            <a:r>
-              <a:rPr lang="en-US" sz="1800" dirty="0" smtClean="0"/>
-              <a:t>that defines </a:t>
-            </a:r>
-            <a:r>
-              <a:rPr lang="en-US" sz="1800" dirty="0"/>
-              <a:t>interactions between multiple software intermediaries. It defines the kinds of calls or requests that can be made, how to make them, the data formats that should be used, the conventions to follow, etc. </a:t>
-            </a:r>
-            <a:r>
-              <a:rPr lang="en-US" sz="1800" dirty="0" smtClean="0"/>
-              <a:t> </a:t>
-            </a:r>
-            <a:endParaRPr lang="en-US" sz="1800" dirty="0"/>
+              <a:t>An application programming interface (API) is a computing interface that defines interactions between multiple software intermediaries. It defines the kinds of calls or requests that can be made, how to make them, the data formats that should be used, the conventions to follow, etc.  </a:t>
+            </a:r>
           </a:p>
         </p:txBody>
       </p:sp>
@@ -9939,7 +9083,7 @@
           <p:cNvPr id="4" name="Rectangle 3">
             <a:extLst>
               <a:ext uri="{FF2B5EF4-FFF2-40B4-BE49-F238E27FC236}">
-                <a16:creationId xmlns="" xmlns:a16="http://schemas.microsoft.com/office/drawing/2014/main" id="{0C71533A-4A29-47E2-A4D4-85E44356516A}"/>
+                <a16:creationId xmlns:a16="http://schemas.microsoft.com/office/drawing/2014/main" id="{0C71533A-4A29-47E2-A4D4-85E44356516A}"/>
               </a:ext>
             </a:extLst>
           </p:cNvPr>
@@ -10014,13 +9158,6 @@
   <p:clrMapOvr>
     <a:masterClrMapping/>
   </p:clrMapOvr>
-  <p:timing>
-    <p:tnLst>
-      <p:par>
-        <p:cTn id="1" dur="indefinite" restart="never" nodeType="tmRoot"/>
-      </p:par>
-    </p:tnLst>
-  </p:timing>
 </p:sld>
 </file>
 
@@ -10046,7 +9183,7 @@
           <p:cNvPr id="2" name="Title 1">
             <a:extLst>
               <a:ext uri="{FF2B5EF4-FFF2-40B4-BE49-F238E27FC236}">
-                <a16:creationId xmlns="" xmlns:a16="http://schemas.microsoft.com/office/drawing/2014/main" id="{BDFAC13C-59B1-436E-B58F-C304E1C705CF}"/>
+                <a16:creationId xmlns:a16="http://schemas.microsoft.com/office/drawing/2014/main" id="{BDFAC13C-59B1-436E-B58F-C304E1C705CF}"/>
               </a:ext>
             </a:extLst>
           </p:cNvPr>
@@ -10070,10 +9207,9 @@
           <a:lstStyle/>
           <a:p>
             <a:r>
-              <a:rPr lang="en-US" u="sng" dirty="0" smtClean="0"/>
+              <a:rPr lang="en-US" u="sng" dirty="0"/>
               <a:t>REST Server</a:t>
             </a:r>
-            <a:endParaRPr lang="en-US" u="sng" dirty="0"/>
           </a:p>
         </p:txBody>
       </p:sp>
@@ -10082,7 +9218,7 @@
           <p:cNvPr id="3" name="Content Placeholder 2">
             <a:extLst>
               <a:ext uri="{FF2B5EF4-FFF2-40B4-BE49-F238E27FC236}">
-                <a16:creationId xmlns="" xmlns:a16="http://schemas.microsoft.com/office/drawing/2014/main" id="{844A3DC5-46BF-4BFF-8008-98FD467C4904}"/>
+                <a16:creationId xmlns:a16="http://schemas.microsoft.com/office/drawing/2014/main" id="{844A3DC5-46BF-4BFF-8008-98FD467C4904}"/>
               </a:ext>
             </a:extLst>
           </p:cNvPr>
@@ -10107,67 +9243,14 @@
           <a:p>
             <a:r>
               <a:rPr lang="en-US" sz="1800" dirty="0"/>
-              <a:t>A REST Server </a:t>
-            </a:r>
-            <a:r>
-              <a:rPr lang="en-US" sz="1800" dirty="0" smtClean="0"/>
-              <a:t>provides </a:t>
-            </a:r>
+              <a:t>A REST Server provides access to resources and REST client accesses and modifies the resources using HTTP protocol. REST uses various representation to represent a resource, e.g.  text, JSON, and XML. A REST client accesses and modifies these resources using HTTP</a:t>
+            </a:r>
+          </a:p>
+          <a:p>
             <a:r>
               <a:rPr lang="en-US" sz="1800" dirty="0"/>
-              <a:t>access to resources and REST client accesses and modifies the resources using HTTP protocol. </a:t>
-            </a:r>
-            <a:r>
-              <a:rPr lang="en-US" sz="1800" dirty="0" smtClean="0"/>
-              <a:t>REST </a:t>
-            </a:r>
-            <a:r>
-              <a:rPr lang="en-US" sz="1800" dirty="0"/>
-              <a:t>uses various representation to represent a </a:t>
-            </a:r>
-            <a:r>
-              <a:rPr lang="en-US" sz="1800" dirty="0" smtClean="0"/>
-              <a:t>resource, e.g.  </a:t>
-            </a:r>
-            <a:r>
-              <a:rPr lang="en-US" sz="1800" dirty="0"/>
-              <a:t>text, JSON, </a:t>
-            </a:r>
-            <a:r>
-              <a:rPr lang="en-US" sz="1800" dirty="0" smtClean="0"/>
-              <a:t>and XML. A </a:t>
-            </a:r>
-            <a:r>
-              <a:rPr lang="en-US" sz="1800" dirty="0"/>
-              <a:t>REST </a:t>
-            </a:r>
-            <a:r>
-              <a:rPr lang="en-US" sz="1800" dirty="0" smtClean="0"/>
-              <a:t>client </a:t>
-            </a:r>
-            <a:r>
-              <a:rPr lang="en-US" sz="1800" dirty="0"/>
-              <a:t>accesses and modifies </a:t>
-            </a:r>
-            <a:r>
-              <a:rPr lang="en-US" sz="1800" dirty="0" smtClean="0"/>
-              <a:t>these </a:t>
-            </a:r>
-            <a:r>
-              <a:rPr lang="en-US" sz="1800" dirty="0"/>
-              <a:t>resources using </a:t>
-            </a:r>
-            <a:r>
-              <a:rPr lang="en-US" sz="1800" dirty="0" smtClean="0"/>
-              <a:t>HTTP</a:t>
-            </a:r>
-          </a:p>
-          <a:p>
-            <a:r>
-              <a:rPr lang="en-US" sz="1800" dirty="0" smtClean="0"/>
               <a:t>NOTE: The next 20 slides are from the source shown below and thus the source is not repeated over and over again</a:t>
             </a:r>
-            <a:endParaRPr lang="en-US" sz="1800" dirty="0"/>
           </a:p>
         </p:txBody>
       </p:sp>
@@ -10176,7 +9259,7 @@
           <p:cNvPr id="4" name="Rectangle 3">
             <a:extLst>
               <a:ext uri="{FF2B5EF4-FFF2-40B4-BE49-F238E27FC236}">
-                <a16:creationId xmlns="" xmlns:a16="http://schemas.microsoft.com/office/drawing/2014/main" id="{0C71533A-4A29-47E2-A4D4-85E44356516A}"/>
+                <a16:creationId xmlns:a16="http://schemas.microsoft.com/office/drawing/2014/main" id="{0C71533A-4A29-47E2-A4D4-85E44356516A}"/>
               </a:ext>
             </a:extLst>
           </p:cNvPr>
@@ -10251,13 +9334,6 @@
   <p:clrMapOvr>
     <a:masterClrMapping/>
   </p:clrMapOvr>
-  <p:timing>
-    <p:tnLst>
-      <p:par>
-        <p:cTn id="1" dur="indefinite" restart="never" nodeType="tmRoot"/>
-      </p:par>
-    </p:tnLst>
-  </p:timing>
 </p:sld>
 </file>
 
@@ -10283,7 +9359,7 @@
           <p:cNvPr id="2" name="Title 1">
             <a:extLst>
               <a:ext uri="{FF2B5EF4-FFF2-40B4-BE49-F238E27FC236}">
-                <a16:creationId xmlns="" xmlns:a16="http://schemas.microsoft.com/office/drawing/2014/main" id="{BDFAC13C-59B1-436E-B58F-C304E1C705CF}"/>
+                <a16:creationId xmlns:a16="http://schemas.microsoft.com/office/drawing/2014/main" id="{BDFAC13C-59B1-436E-B58F-C304E1C705CF}"/>
               </a:ext>
             </a:extLst>
           </p:cNvPr>
@@ -10307,10 +9383,9 @@
           <a:lstStyle/>
           <a:p>
             <a:r>
-              <a:rPr lang="en-US" u="sng" dirty="0" smtClean="0"/>
+              <a:rPr lang="en-US" u="sng" dirty="0"/>
               <a:t>REST Server</a:t>
             </a:r>
-            <a:endParaRPr lang="en-US" u="sng" dirty="0"/>
           </a:p>
         </p:txBody>
       </p:sp>
@@ -10319,7 +9394,7 @@
           <p:cNvPr id="3" name="Content Placeholder 2">
             <a:extLst>
               <a:ext uri="{FF2B5EF4-FFF2-40B4-BE49-F238E27FC236}">
-                <a16:creationId xmlns="" xmlns:a16="http://schemas.microsoft.com/office/drawing/2014/main" id="{844A3DC5-46BF-4BFF-8008-98FD467C4904}"/>
+                <a16:creationId xmlns:a16="http://schemas.microsoft.com/office/drawing/2014/main" id="{844A3DC5-46BF-4BFF-8008-98FD467C4904}"/>
               </a:ext>
             </a:extLst>
           </p:cNvPr>
@@ -10343,18 +9418,9 @@
           <a:lstStyle/>
           <a:p>
             <a:r>
-              <a:rPr lang="en-US" sz="1800" dirty="0" smtClean="0"/>
-              <a:t>These </a:t>
-            </a:r>
-            <a:r>
               <a:rPr lang="en-US" sz="1800" dirty="0"/>
-              <a:t>four HTTP methods are commonly used in REST based </a:t>
-            </a:r>
-            <a:r>
-              <a:rPr lang="en-US" sz="1800" dirty="0" smtClean="0"/>
-              <a:t>architecture:</a:t>
-            </a:r>
-            <a:endParaRPr lang="en-US" sz="1800" dirty="0"/>
+              <a:t>These four HTTP methods are commonly used in REST based architecture:</a:t>
+            </a:r>
           </a:p>
           <a:p>
             <a:pPr marL="169863" indent="0">
@@ -10366,13 +9432,8 @@
             </a:r>
             <a:r>
               <a:rPr lang="en-US" sz="1800" dirty="0"/>
-              <a:t> − This is used to provide a read only access to a </a:t>
-            </a:r>
-            <a:r>
-              <a:rPr lang="en-US" sz="1800" dirty="0" smtClean="0"/>
-              <a:t>resource</a:t>
-            </a:r>
-            <a:endParaRPr lang="en-US" sz="1800" dirty="0"/>
+              <a:t> − This is used to provide a read only access to a resource</a:t>
+            </a:r>
           </a:p>
           <a:p>
             <a:pPr marL="169863" indent="0">
@@ -10384,13 +9445,8 @@
             </a:r>
             <a:r>
               <a:rPr lang="en-US" sz="1800" dirty="0"/>
-              <a:t> − This is used to create a new </a:t>
-            </a:r>
-            <a:r>
-              <a:rPr lang="en-US" sz="1800" dirty="0" smtClean="0"/>
-              <a:t>resource</a:t>
-            </a:r>
-            <a:endParaRPr lang="en-US" sz="1800" dirty="0"/>
+              <a:t> − This is used to create a new resource</a:t>
+            </a:r>
           </a:p>
           <a:p>
             <a:pPr marL="169863" indent="0">
@@ -10402,13 +9458,8 @@
             </a:r>
             <a:r>
               <a:rPr lang="en-US" sz="1800" dirty="0"/>
-              <a:t> − This is used to remove a </a:t>
-            </a:r>
-            <a:r>
-              <a:rPr lang="en-US" sz="1800" dirty="0" smtClean="0"/>
-              <a:t>resource</a:t>
-            </a:r>
-            <a:endParaRPr lang="en-US" sz="1800" dirty="0"/>
+              <a:t> − This is used to remove a resource</a:t>
+            </a:r>
           </a:p>
           <a:p>
             <a:pPr marL="169863" indent="0">
@@ -10420,13 +9471,8 @@
             </a:r>
             <a:r>
               <a:rPr lang="en-US" sz="1800" dirty="0"/>
-              <a:t> − This is used to update a existing resource or create a new </a:t>
-            </a:r>
-            <a:r>
-              <a:rPr lang="en-US" sz="1800" dirty="0" smtClean="0"/>
-              <a:t>resource</a:t>
-            </a:r>
-            <a:endParaRPr lang="en-US" sz="1800" dirty="0"/>
+              <a:t> − This is used to update a existing resource or create a new resource</a:t>
+            </a:r>
           </a:p>
         </p:txBody>
       </p:sp>
@@ -10463,13 +9509,6 @@
   <p:clrMapOvr>
     <a:masterClrMapping/>
   </p:clrMapOvr>
-  <p:timing>
-    <p:tnLst>
-      <p:par>
-        <p:cTn id="1" dur="indefinite" restart="never" nodeType="tmRoot"/>
-      </p:par>
-    </p:tnLst>
-  </p:timing>
 </p:sld>
 </file>
 
@@ -10495,7 +9534,7 @@
           <p:cNvPr id="2" name="Title 1">
             <a:extLst>
               <a:ext uri="{FF2B5EF4-FFF2-40B4-BE49-F238E27FC236}">
-                <a16:creationId xmlns="" xmlns:a16="http://schemas.microsoft.com/office/drawing/2014/main" id="{BDFAC13C-59B1-436E-B58F-C304E1C705CF}"/>
+                <a16:creationId xmlns:a16="http://schemas.microsoft.com/office/drawing/2014/main" id="{BDFAC13C-59B1-436E-B58F-C304E1C705CF}"/>
               </a:ext>
             </a:extLst>
           </p:cNvPr>
@@ -10519,10 +9558,9 @@
           <a:lstStyle/>
           <a:p>
             <a:r>
-              <a:rPr lang="en-US" u="sng" dirty="0" smtClean="0"/>
+              <a:rPr lang="en-US" u="sng" dirty="0"/>
               <a:t>RESTful Web Server</a:t>
             </a:r>
-            <a:endParaRPr lang="en-US" u="sng" dirty="0"/>
           </a:p>
         </p:txBody>
       </p:sp>
@@ -10531,7 +9569,7 @@
           <p:cNvPr id="3" name="Content Placeholder 2">
             <a:extLst>
               <a:ext uri="{FF2B5EF4-FFF2-40B4-BE49-F238E27FC236}">
-                <a16:creationId xmlns="" xmlns:a16="http://schemas.microsoft.com/office/drawing/2014/main" id="{844A3DC5-46BF-4BFF-8008-98FD467C4904}"/>
+                <a16:creationId xmlns:a16="http://schemas.microsoft.com/office/drawing/2014/main" id="{844A3DC5-46BF-4BFF-8008-98FD467C4904}"/>
               </a:ext>
             </a:extLst>
           </p:cNvPr>
@@ -10556,13 +9594,8 @@
           <a:p>
             <a:r>
               <a:rPr lang="en-US" sz="1800" dirty="0"/>
-              <a:t>A web service is a collection of open protocols and standards used for exchanging data between applications or systems. Software applications written in various programming languages and running on various platforms can use web services to exchange data over computer networks like the </a:t>
-            </a:r>
-            <a:r>
-              <a:rPr lang="en-US" sz="1800" dirty="0" smtClean="0"/>
-              <a:t>Internet</a:t>
-            </a:r>
-            <a:endParaRPr lang="en-US" sz="1800" dirty="0"/>
+              <a:t>A web service is a collection of open protocols and standards used for exchanging data between applications or systems. Software applications written in various programming languages and running on various platforms can use web services to exchange data over computer networks like the Internet</a:t>
+            </a:r>
           </a:p>
         </p:txBody>
       </p:sp>
@@ -10599,13 +9632,6 @@
   <p:clrMapOvr>
     <a:masterClrMapping/>
   </p:clrMapOvr>
-  <p:timing>
-    <p:tnLst>
-      <p:par>
-        <p:cTn id="1" dur="indefinite" restart="never" nodeType="tmRoot"/>
-      </p:par>
-    </p:tnLst>
-  </p:timing>
 </p:sld>
 </file>
 
@@ -10631,7 +9657,7 @@
           <p:cNvPr id="2" name="Title 1">
             <a:extLst>
               <a:ext uri="{FF2B5EF4-FFF2-40B4-BE49-F238E27FC236}">
-                <a16:creationId xmlns="" xmlns:a16="http://schemas.microsoft.com/office/drawing/2014/main" id="{BDFAC13C-59B1-436E-B58F-C304E1C705CF}"/>
+                <a16:creationId xmlns:a16="http://schemas.microsoft.com/office/drawing/2014/main" id="{BDFAC13C-59B1-436E-B58F-C304E1C705CF}"/>
               </a:ext>
             </a:extLst>
           </p:cNvPr>
@@ -10655,10 +9681,9 @@
           <a:lstStyle/>
           <a:p>
             <a:r>
-              <a:rPr lang="en-US" u="sng" dirty="0" smtClean="0"/>
+              <a:rPr lang="en-US" u="sng" dirty="0"/>
               <a:t>RESTful Web Server</a:t>
             </a:r>
-            <a:endParaRPr lang="en-US" u="sng" dirty="0"/>
           </a:p>
         </p:txBody>
       </p:sp>
@@ -10667,7 +9692,7 @@
           <p:cNvPr id="3" name="Content Placeholder 2">
             <a:extLst>
               <a:ext uri="{FF2B5EF4-FFF2-40B4-BE49-F238E27FC236}">
-                <a16:creationId xmlns="" xmlns:a16="http://schemas.microsoft.com/office/drawing/2014/main" id="{844A3DC5-46BF-4BFF-8008-98FD467C4904}"/>
+                <a16:creationId xmlns:a16="http://schemas.microsoft.com/office/drawing/2014/main" id="{844A3DC5-46BF-4BFF-8008-98FD467C4904}"/>
               </a:ext>
             </a:extLst>
           </p:cNvPr>
@@ -10692,37 +9717,8 @@
           <a:p>
             <a:r>
               <a:rPr lang="en-US" sz="1800" dirty="0"/>
-              <a:t>Web services based on REST Architecture are known as RESTful web services. These </a:t>
-            </a:r>
-            <a:r>
-              <a:rPr lang="en-US" sz="1800" dirty="0" smtClean="0"/>
-              <a:t>web services </a:t>
-            </a:r>
-            <a:r>
-              <a:rPr lang="en-US" sz="1800" dirty="0"/>
-              <a:t>uses HTTP methods to implement the concept of REST architecture. A RESTful web service usually defines a URI, </a:t>
-            </a:r>
-            <a:r>
-              <a:rPr lang="en-US" sz="1800" dirty="0" smtClean="0"/>
-              <a:t>i.e. a Uniform </a:t>
-            </a:r>
-            <a:r>
-              <a:rPr lang="en-US" sz="1800" dirty="0"/>
-              <a:t>Resource Identifier a </a:t>
-            </a:r>
-            <a:r>
-              <a:rPr lang="en-US" sz="1800" dirty="0" smtClean="0"/>
-              <a:t>service.  Such a service provides </a:t>
-            </a:r>
-            <a:r>
-              <a:rPr lang="en-US" sz="1800" dirty="0"/>
-              <a:t>resource representation such as JSON and set of HTTP </a:t>
-            </a:r>
-            <a:r>
-              <a:rPr lang="en-US" sz="1800" dirty="0" smtClean="0"/>
-              <a:t>Methods</a:t>
-            </a:r>
-            <a:endParaRPr lang="en-US" sz="1800" dirty="0"/>
+              <a:t>Web services based on REST Architecture are known as RESTful web services. These web services uses HTTP methods to implement the concept of REST architecture. A RESTful web service usually defines a URI, i.e. a Uniform Resource Identifier a service.  Such a service provides resource representation such as JSON and set of HTTP Methods</a:t>
+            </a:r>
           </a:p>
         </p:txBody>
       </p:sp>
@@ -10759,13 +9755,6 @@
   <p:clrMapOvr>
     <a:masterClrMapping/>
   </p:clrMapOvr>
-  <p:timing>
-    <p:tnLst>
-      <p:par>
-        <p:cTn id="1" dur="indefinite" restart="never" nodeType="tmRoot"/>
-      </p:par>
-    </p:tnLst>
-  </p:timing>
 </p:sld>
 </file>
 
@@ -10791,7 +9780,7 @@
           <p:cNvPr id="2" name="Title 1">
             <a:extLst>
               <a:ext uri="{FF2B5EF4-FFF2-40B4-BE49-F238E27FC236}">
-                <a16:creationId xmlns="" xmlns:a16="http://schemas.microsoft.com/office/drawing/2014/main" id="{BDFAC13C-59B1-436E-B58F-C304E1C705CF}"/>
+                <a16:creationId xmlns:a16="http://schemas.microsoft.com/office/drawing/2014/main" id="{BDFAC13C-59B1-436E-B58F-C304E1C705CF}"/>
               </a:ext>
             </a:extLst>
           </p:cNvPr>
@@ -10815,10 +9804,9 @@
           <a:lstStyle/>
           <a:p>
             <a:r>
-              <a:rPr lang="en-US" u="sng" dirty="0" smtClean="0"/>
+              <a:rPr lang="en-US" u="sng" dirty="0"/>
               <a:t>RESTful Web Server Example</a:t>
             </a:r>
-            <a:endParaRPr lang="en-US" u="sng" dirty="0"/>
           </a:p>
         </p:txBody>
       </p:sp>
@@ -10827,7 +9815,7 @@
           <p:cNvPr id="3" name="Content Placeholder 2">
             <a:extLst>
               <a:ext uri="{FF2B5EF4-FFF2-40B4-BE49-F238E27FC236}">
-                <a16:creationId xmlns="" xmlns:a16="http://schemas.microsoft.com/office/drawing/2014/main" id="{844A3DC5-46BF-4BFF-8008-98FD467C4904}"/>
+                <a16:creationId xmlns:a16="http://schemas.microsoft.com/office/drawing/2014/main" id="{844A3DC5-46BF-4BFF-8008-98FD467C4904}"/>
               </a:ext>
             </a:extLst>
           </p:cNvPr>
@@ -10857,54 +9845,34 @@
           </a:p>
           <a:p>
             <a:r>
-              <a:rPr lang="en-US" sz="1800" dirty="0" smtClean="0"/>
-              <a:t>Create </a:t>
-            </a:r>
-            <a:r>
               <a:rPr lang="en-US" sz="1800" dirty="0"/>
-              <a:t>a new package.json file using npm init.  Right mouse-click on the restExample folder and choose Git Bash Here.  Use server.js as the startup file.  Add the description: Restful API Example and your name as the </a:t>
-            </a:r>
-            <a:r>
-              <a:rPr lang="en-US" sz="1800" dirty="0" smtClean="0"/>
-              <a:t>author</a:t>
-            </a:r>
-          </a:p>
-          <a:p>
-            <a:r>
-              <a:rPr lang="en-US" sz="1800" dirty="0" smtClean="0"/>
+              <a:t>Create a new package.json file using npm init.  Right mouse-click on the restExample folder and choose Git Bash Here.  Use server.js as the startup file.  Add the description: Restful API Example and your name as the author</a:t>
+            </a:r>
+          </a:p>
+          <a:p>
+            <a:r>
+              <a:rPr lang="en-US" sz="1800" dirty="0"/>
               <a:t>Install express via the command: </a:t>
-            </a:r>
-            <a:r>
-              <a:rPr lang="en-US" sz="1800" dirty="0" smtClean="0">
-                <a:latin typeface="Consolas" panose="020B0609020204030204" pitchFamily="49" charset="0"/>
-              </a:rPr>
-              <a:t>npm </a:t>
             </a:r>
             <a:r>
               <a:rPr lang="en-US" sz="1800" dirty="0">
                 <a:latin typeface="Consolas" panose="020B0609020204030204" pitchFamily="49" charset="0"/>
               </a:rPr>
-              <a:t>i</a:t>
-            </a:r>
-            <a:r>
-              <a:rPr lang="en-US" sz="1800" dirty="0" smtClean="0">
-                <a:latin typeface="Consolas" panose="020B0609020204030204" pitchFamily="49" charset="0"/>
-              </a:rPr>
-              <a:t> express </a:t>
-            </a:r>
-          </a:p>
-          <a:p>
-            <a:r>
-              <a:rPr lang="en-US" sz="1800" dirty="0" smtClean="0"/>
+              <a:t>npm i express </a:t>
+            </a:r>
+          </a:p>
+          <a:p>
+            <a:r>
+              <a:rPr lang="en-US" sz="1800" dirty="0"/>
               <a:t>Install the file system module via the command: </a:t>
             </a:r>
             <a:r>
-              <a:rPr lang="en-US" sz="1800" dirty="0" smtClean="0">
+              <a:rPr lang="en-US" sz="1800" dirty="0">
                 <a:latin typeface="Consolas" panose="020B0609020204030204" pitchFamily="49" charset="0"/>
               </a:rPr>
               <a:t>npm i fs</a:t>
             </a:r>
-            <a:endParaRPr lang="en-US" sz="1800" dirty="0" smtClean="0"/>
+            <a:endParaRPr lang="en-US" sz="1800" dirty="0"/>
           </a:p>
           <a:p>
             <a:r>
@@ -10914,7 +9882,7 @@
           </a:p>
           <a:p>
             <a:r>
-              <a:rPr lang="en-US" sz="1800" dirty="0" smtClean="0"/>
+              <a:rPr lang="en-US" sz="1800" dirty="0"/>
               <a:t>Inside of the restExample folder, create a new JavaScript file called users.json  This file will hold the three records shown on the next three slides</a:t>
             </a:r>
           </a:p>
@@ -10953,13 +9921,6 @@
   <p:clrMapOvr>
     <a:masterClrMapping/>
   </p:clrMapOvr>
-  <p:timing>
-    <p:tnLst>
-      <p:par>
-        <p:cTn id="1" dur="indefinite" restart="never" nodeType="tmRoot"/>
-      </p:par>
-    </p:tnLst>
-  </p:timing>
 </p:sld>
 </file>
 
@@ -11501,21 +10462,21 @@
 </file>
 
 <file path=customXml/item1.xml><?xml version="1.0" encoding="utf-8"?>
+<?mso-contentType ?>
+<FormTemplates xmlns="http://schemas.microsoft.com/sharepoint/v3/contenttype/forms">
+  <Display>DocumentLibraryForm</Display>
+  <Edit>DocumentLibraryForm</Edit>
+  <New>DocumentLibraryForm</New>
+</FormTemplates>
+</file>
+
+<file path=customXml/item2.xml><?xml version="1.0" encoding="utf-8"?>
 <p:properties xmlns:p="http://schemas.microsoft.com/office/2006/metadata/properties" xmlns:xsi="http://www.w3.org/2001/XMLSchema-instance" xmlns:pc="http://schemas.microsoft.com/office/infopath/2007/PartnerControls">
   <documentManagement>
     <Status xmlns="71af3243-3dd4-4a8d-8c0d-dd76da1f02a5">Not started</Status>
     <MediaServiceKeyPoints xmlns="71af3243-3dd4-4a8d-8c0d-dd76da1f02a5" xsi:nil="true"/>
   </documentManagement>
 </p:properties>
-</file>
-
-<file path=customXml/item2.xml><?xml version="1.0" encoding="utf-8"?>
-<?mso-contentType ?>
-<FormTemplates xmlns="http://schemas.microsoft.com/sharepoint/v3/contenttype/forms">
-  <Display>DocumentLibraryForm</Display>
-  <Edit>DocumentLibraryForm</Edit>
-  <New>DocumentLibraryForm</New>
-</FormTemplates>
 </file>
 
 <file path=customXml/item3.xml><?xml version="1.0" encoding="utf-8"?>
@@ -11740,6 +10701,14 @@
 </file>
 
 <file path=customXml/itemProps1.xml><?xml version="1.0" encoding="utf-8"?>
+<ds:datastoreItem xmlns:ds="http://schemas.openxmlformats.org/officeDocument/2006/customXml" ds:itemID="{CDB58277-F8DF-46FF-84EC-EF41B835E69F}">
+  <ds:schemaRefs>
+    <ds:schemaRef ds:uri="http://schemas.microsoft.com/sharepoint/v3/contenttype/forms"/>
+  </ds:schemaRefs>
+</ds:datastoreItem>
+</file>
+
+<file path=customXml/itemProps2.xml><?xml version="1.0" encoding="utf-8"?>
 <ds:datastoreItem xmlns:ds="http://schemas.openxmlformats.org/officeDocument/2006/customXml" ds:itemID="{137651BA-F45C-4845-9AB3-E0A65B39F5E1}">
   <ds:schemaRefs>
     <ds:schemaRef ds:uri="http://schemas.microsoft.com/office/2006/metadata/properties"/>
@@ -11752,14 +10721,6 @@
     <ds:schemaRef ds:uri="16c05727-aa75-4e4a-9b5f-8a80a1165891"/>
     <ds:schemaRef ds:uri="71af3243-3dd4-4a8d-8c0d-dd76da1f02a5"/>
     <ds:schemaRef ds:uri="http://www.w3.org/XML/1998/namespace"/>
-  </ds:schemaRefs>
-</ds:datastoreItem>
-</file>
-
-<file path=customXml/itemProps2.xml><?xml version="1.0" encoding="utf-8"?>
-<ds:datastoreItem xmlns:ds="http://schemas.openxmlformats.org/officeDocument/2006/customXml" ds:itemID="{CDB58277-F8DF-46FF-84EC-EF41B835E69F}">
-  <ds:schemaRefs>
-    <ds:schemaRef ds:uri="http://schemas.microsoft.com/sharepoint/v3/contenttype/forms"/>
   </ds:schemaRefs>
 </ds:datastoreItem>
 </file>

--- a/unit_01/slides/Unit01-PartIV.pptx
+++ b/unit_01/slides/Unit01-PartIV.pptx
@@ -226,7 +226,7 @@
           <a:p>
             <a:fld id="{DEF45A3F-F083-4E1A-8339-FCD652B27D36}" type="datetimeFigureOut">
               <a:rPr lang="en-US" smtClean="0"/>
-              <a:t>9/2/2020</a:t>
+              <a:t>9/8/2020</a:t>
             </a:fld>
             <a:endParaRPr lang="en-US" dirty="0"/>
           </a:p>
@@ -962,7 +962,7 @@
           <a:p>
             <a:fld id="{EB2553B6-A683-4C13-ADF3-6E78B5B860F6}" type="datetime1">
               <a:rPr lang="en-US" smtClean="0"/>
-              <a:t>9/2/2020</a:t>
+              <a:t>9/8/2020</a:t>
             </a:fld>
             <a:endParaRPr lang="en-US" dirty="0"/>
           </a:p>
@@ -1164,7 +1164,7 @@
           <a:p>
             <a:fld id="{6DA00B11-1D47-4652-AEE5-4C2B1235CB66}" type="datetime1">
               <a:rPr lang="en-US" smtClean="0"/>
-              <a:t>9/2/2020</a:t>
+              <a:t>9/8/2020</a:t>
             </a:fld>
             <a:endParaRPr lang="en-US" dirty="0"/>
           </a:p>
@@ -1763,7 +1763,7 @@
           <a:p>
             <a:fld id="{90AC2323-8C5A-462B-92B9-62EA14FA9E94}" type="datetime1">
               <a:rPr lang="en-US" smtClean="0"/>
-              <a:t>9/2/2020</a:t>
+              <a:t>9/8/2020</a:t>
             </a:fld>
             <a:endParaRPr lang="en-US" dirty="0"/>
           </a:p>
@@ -2083,7 +2083,7 @@
           <a:p>
             <a:fld id="{10DC40C2-59E9-46C8-B03E-7C20E5F4F12D}" type="datetime1">
               <a:rPr lang="en-US" smtClean="0"/>
-              <a:t>9/2/2020</a:t>
+              <a:t>9/8/2020</a:t>
             </a:fld>
             <a:endParaRPr lang="en-US" dirty="0"/>
           </a:p>
@@ -2520,7 +2520,7 @@
           <a:p>
             <a:fld id="{7FBC8CB6-941B-4270-8276-FD8E92A373DA}" type="datetime1">
               <a:rPr lang="en-US" smtClean="0"/>
-              <a:t>9/2/2020</a:t>
+              <a:t>9/8/2020</a:t>
             </a:fld>
             <a:endParaRPr lang="en-US" dirty="0"/>
           </a:p>
@@ -2638,7 +2638,7 @@
           <a:p>
             <a:fld id="{15E57E43-E251-46CB-9ADD-5572689A0D73}" type="datetime1">
               <a:rPr lang="en-US" smtClean="0"/>
-              <a:t>9/2/2020</a:t>
+              <a:t>9/8/2020</a:t>
             </a:fld>
             <a:endParaRPr lang="en-US" dirty="0"/>
           </a:p>
@@ -2733,7 +2733,7 @@
           <a:p>
             <a:fld id="{9582FC12-F480-42AE-9F3F-3DA69EB64A0D}" type="datetime1">
               <a:rPr lang="en-US" smtClean="0"/>
-              <a:t>9/2/2020</a:t>
+              <a:t>9/8/2020</a:t>
             </a:fld>
             <a:endParaRPr lang="en-US" dirty="0"/>
           </a:p>
@@ -3150,7 +3150,7 @@
           <a:p>
             <a:fld id="{545CEF3F-6F6A-4297-B757-FFB5D4A3AD64}" type="datetime1">
               <a:rPr lang="en-US" smtClean="0"/>
-              <a:t>9/2/2020</a:t>
+              <a:t>9/8/2020</a:t>
             </a:fld>
             <a:endParaRPr lang="en-US" dirty="0"/>
           </a:p>
@@ -3410,7 +3410,7 @@
           <a:p>
             <a:fld id="{EE2F6E23-5248-4ECD-8C29-1FB95B395C86}" type="datetime1">
               <a:rPr lang="en-US" smtClean="0"/>
-              <a:t>9/2/2020</a:t>
+              <a:t>9/8/2020</a:t>
             </a:fld>
             <a:endParaRPr lang="en-US" dirty="0"/>
           </a:p>
@@ -3926,7 +3926,7 @@
           <a:p>
             <a:fld id="{5DE9F2A3-885D-46CC-9642-01CAAE4EB600}" type="datetime1">
               <a:rPr lang="en-US" smtClean="0"/>
-              <a:t>9/2/2020</a:t>
+              <a:t>9/8/2020</a:t>
             </a:fld>
             <a:endParaRPr lang="en-US" dirty="0"/>
           </a:p>
@@ -6560,16 +6560,16 @@
           <a:lstStyle/>
           <a:p>
             <a:r>
-              <a:rPr lang="en-US" sz="1800" dirty="0"/>
-              <a:t>Go through Node.js Restful APIs</a:t>
-            </a:r>
-          </a:p>
-          <a:p>
-            <a:pPr lvl="0"/>
-            <a:r>
-              <a:rPr lang="en-US" sz="1800" dirty="0"/>
-              <a:t>Go through Node.js AJAX w/ jQuery or Fetch API</a:t>
-            </a:r>
+              <a:rPr lang="en-US" sz="1800"/>
+              <a:t>How to implement REST APIs with express</a:t>
+            </a:r>
+          </a:p>
+          <a:p>
+            <a:r>
+              <a:rPr lang="en-US" sz="1800"/>
+              <a:t>How to make asynchrounous (AJAX) requests from the browser</a:t>
+            </a:r>
+            <a:endParaRPr lang="en-US" sz="1800" dirty="0"/>
           </a:p>
         </p:txBody>
       </p:sp>
@@ -8942,16 +8942,16 @@
           <a:lstStyle/>
           <a:p>
             <a:r>
-              <a:rPr lang="en-US" sz="1800" dirty="0"/>
-              <a:t>Node.js Restful APIs</a:t>
-            </a:r>
-          </a:p>
-          <a:p>
-            <a:pPr lvl="0"/>
-            <a:r>
-              <a:rPr lang="en-US" sz="1800" dirty="0"/>
-              <a:t>Node.js AJAX w/ jQuery or Fetch API</a:t>
-            </a:r>
+              <a:rPr lang="en-US" sz="1800"/>
+              <a:t>How to implement REST APIs with express</a:t>
+            </a:r>
+          </a:p>
+          <a:p>
+            <a:r>
+              <a:rPr lang="en-US" sz="1800"/>
+              <a:t>How to make asynchronous (AJAX) requests from the browser</a:t>
+            </a:r>
+            <a:endParaRPr lang="en-US" sz="1800" dirty="0"/>
           </a:p>
         </p:txBody>
       </p:sp>
@@ -10462,21 +10462,21 @@
 </file>
 
 <file path=customXml/item1.xml><?xml version="1.0" encoding="utf-8"?>
+<p:properties xmlns:p="http://schemas.microsoft.com/office/2006/metadata/properties" xmlns:xsi="http://www.w3.org/2001/XMLSchema-instance" xmlns:pc="http://schemas.microsoft.com/office/infopath/2007/PartnerControls">
+  <documentManagement>
+    <Status xmlns="71af3243-3dd4-4a8d-8c0d-dd76da1f02a5">Not started</Status>
+    <MediaServiceKeyPoints xmlns="71af3243-3dd4-4a8d-8c0d-dd76da1f02a5" xsi:nil="true"/>
+  </documentManagement>
+</p:properties>
+</file>
+
+<file path=customXml/item2.xml><?xml version="1.0" encoding="utf-8"?>
 <?mso-contentType ?>
 <FormTemplates xmlns="http://schemas.microsoft.com/sharepoint/v3/contenttype/forms">
   <Display>DocumentLibraryForm</Display>
   <Edit>DocumentLibraryForm</Edit>
   <New>DocumentLibraryForm</New>
 </FormTemplates>
-</file>
-
-<file path=customXml/item2.xml><?xml version="1.0" encoding="utf-8"?>
-<p:properties xmlns:p="http://schemas.microsoft.com/office/2006/metadata/properties" xmlns:xsi="http://www.w3.org/2001/XMLSchema-instance" xmlns:pc="http://schemas.microsoft.com/office/infopath/2007/PartnerControls">
-  <documentManagement>
-    <Status xmlns="71af3243-3dd4-4a8d-8c0d-dd76da1f02a5">Not started</Status>
-    <MediaServiceKeyPoints xmlns="71af3243-3dd4-4a8d-8c0d-dd76da1f02a5" xsi:nil="true"/>
-  </documentManagement>
-</p:properties>
 </file>
 
 <file path=customXml/item3.xml><?xml version="1.0" encoding="utf-8"?>
@@ -10701,14 +10701,6 @@
 </file>
 
 <file path=customXml/itemProps1.xml><?xml version="1.0" encoding="utf-8"?>
-<ds:datastoreItem xmlns:ds="http://schemas.openxmlformats.org/officeDocument/2006/customXml" ds:itemID="{CDB58277-F8DF-46FF-84EC-EF41B835E69F}">
-  <ds:schemaRefs>
-    <ds:schemaRef ds:uri="http://schemas.microsoft.com/sharepoint/v3/contenttype/forms"/>
-  </ds:schemaRefs>
-</ds:datastoreItem>
-</file>
-
-<file path=customXml/itemProps2.xml><?xml version="1.0" encoding="utf-8"?>
 <ds:datastoreItem xmlns:ds="http://schemas.openxmlformats.org/officeDocument/2006/customXml" ds:itemID="{137651BA-F45C-4845-9AB3-E0A65B39F5E1}">
   <ds:schemaRefs>
     <ds:schemaRef ds:uri="http://schemas.microsoft.com/office/2006/metadata/properties"/>
@@ -10721,6 +10713,14 @@
     <ds:schemaRef ds:uri="16c05727-aa75-4e4a-9b5f-8a80a1165891"/>
     <ds:schemaRef ds:uri="71af3243-3dd4-4a8d-8c0d-dd76da1f02a5"/>
     <ds:schemaRef ds:uri="http://www.w3.org/XML/1998/namespace"/>
+  </ds:schemaRefs>
+</ds:datastoreItem>
+</file>
+
+<file path=customXml/itemProps2.xml><?xml version="1.0" encoding="utf-8"?>
+<ds:datastoreItem xmlns:ds="http://schemas.openxmlformats.org/officeDocument/2006/customXml" ds:itemID="{CDB58277-F8DF-46FF-84EC-EF41B835E69F}">
+  <ds:schemaRefs>
+    <ds:schemaRef ds:uri="http://schemas.microsoft.com/sharepoint/v3/contenttype/forms"/>
   </ds:schemaRefs>
 </ds:datastoreItem>
 </file>
